--- a/presentation MAFR.pptx
+++ b/presentation MAFR.pptx
@@ -220,7 +220,7 @@
           <a:p>
             <a:fld id="{35E6A969-B9BB-47FE-94EF-A57A839CB588}" type="datetimeFigureOut">
               <a:rPr lang="fr-FR" smtClean="0"/>
-              <a:t>12/12/2024</a:t>
+              <a:t>13/12/2024</a:t>
             </a:fld>
             <a:endParaRPr lang="fr-FR"/>
           </a:p>
@@ -718,7 +718,7 @@
           <a:p>
             <a:fld id="{315D5F98-AF41-4738-8A7E-623688D6F218}" type="datetimeFigureOut">
               <a:rPr lang="fr-FR" smtClean="0"/>
-              <a:t>12/12/2024</a:t>
+              <a:t>13/12/2024</a:t>
             </a:fld>
             <a:endParaRPr lang="fr-FR"/>
           </a:p>
@@ -916,7 +916,7 @@
           <a:p>
             <a:fld id="{315D5F98-AF41-4738-8A7E-623688D6F218}" type="datetimeFigureOut">
               <a:rPr lang="fr-FR" smtClean="0"/>
-              <a:t>12/12/2024</a:t>
+              <a:t>13/12/2024</a:t>
             </a:fld>
             <a:endParaRPr lang="fr-FR"/>
           </a:p>
@@ -1124,7 +1124,7 @@
           <a:p>
             <a:fld id="{315D5F98-AF41-4738-8A7E-623688D6F218}" type="datetimeFigureOut">
               <a:rPr lang="fr-FR" smtClean="0"/>
-              <a:t>12/12/2024</a:t>
+              <a:t>13/12/2024</a:t>
             </a:fld>
             <a:endParaRPr lang="fr-FR"/>
           </a:p>
@@ -1322,7 +1322,7 @@
           <a:p>
             <a:fld id="{315D5F98-AF41-4738-8A7E-623688D6F218}" type="datetimeFigureOut">
               <a:rPr lang="fr-FR" smtClean="0"/>
-              <a:t>12/12/2024</a:t>
+              <a:t>13/12/2024</a:t>
             </a:fld>
             <a:endParaRPr lang="fr-FR"/>
           </a:p>
@@ -1597,7 +1597,7 @@
           <a:p>
             <a:fld id="{315D5F98-AF41-4738-8A7E-623688D6F218}" type="datetimeFigureOut">
               <a:rPr lang="fr-FR" smtClean="0"/>
-              <a:t>12/12/2024</a:t>
+              <a:t>13/12/2024</a:t>
             </a:fld>
             <a:endParaRPr lang="fr-FR"/>
           </a:p>
@@ -1862,7 +1862,7 @@
           <a:p>
             <a:fld id="{315D5F98-AF41-4738-8A7E-623688D6F218}" type="datetimeFigureOut">
               <a:rPr lang="fr-FR" smtClean="0"/>
-              <a:t>12/12/2024</a:t>
+              <a:t>13/12/2024</a:t>
             </a:fld>
             <a:endParaRPr lang="fr-FR"/>
           </a:p>
@@ -2274,7 +2274,7 @@
           <a:p>
             <a:fld id="{315D5F98-AF41-4738-8A7E-623688D6F218}" type="datetimeFigureOut">
               <a:rPr lang="fr-FR" smtClean="0"/>
-              <a:t>12/12/2024</a:t>
+              <a:t>13/12/2024</a:t>
             </a:fld>
             <a:endParaRPr lang="fr-FR"/>
           </a:p>
@@ -2415,7 +2415,7 @@
           <a:p>
             <a:fld id="{315D5F98-AF41-4738-8A7E-623688D6F218}" type="datetimeFigureOut">
               <a:rPr lang="fr-FR" smtClean="0"/>
-              <a:t>12/12/2024</a:t>
+              <a:t>13/12/2024</a:t>
             </a:fld>
             <a:endParaRPr lang="fr-FR"/>
           </a:p>
@@ -2528,7 +2528,7 @@
           <a:p>
             <a:fld id="{315D5F98-AF41-4738-8A7E-623688D6F218}" type="datetimeFigureOut">
               <a:rPr lang="fr-FR" smtClean="0"/>
-              <a:t>12/12/2024</a:t>
+              <a:t>13/12/2024</a:t>
             </a:fld>
             <a:endParaRPr lang="fr-FR"/>
           </a:p>
@@ -2839,7 +2839,7 @@
           <a:p>
             <a:fld id="{315D5F98-AF41-4738-8A7E-623688D6F218}" type="datetimeFigureOut">
               <a:rPr lang="fr-FR" smtClean="0"/>
-              <a:t>12/12/2024</a:t>
+              <a:t>13/12/2024</a:t>
             </a:fld>
             <a:endParaRPr lang="fr-FR"/>
           </a:p>
@@ -3127,7 +3127,7 @@
           <a:p>
             <a:fld id="{315D5F98-AF41-4738-8A7E-623688D6F218}" type="datetimeFigureOut">
               <a:rPr lang="fr-FR" smtClean="0"/>
-              <a:t>12/12/2024</a:t>
+              <a:t>13/12/2024</a:t>
             </a:fld>
             <a:endParaRPr lang="fr-FR"/>
           </a:p>
@@ -3368,7 +3368,7 @@
           <a:p>
             <a:fld id="{315D5F98-AF41-4738-8A7E-623688D6F218}" type="datetimeFigureOut">
               <a:rPr lang="fr-FR" smtClean="0"/>
-              <a:t>12/12/2024</a:t>
+              <a:t>13/12/2024</a:t>
             </a:fld>
             <a:endParaRPr lang="fr-FR"/>
           </a:p>
@@ -4508,6 +4508,111 @@
           </a:p>
         </p:txBody>
       </p:sp>
+      <p:sp>
+        <p:nvSpPr>
+          <p:cNvPr id="2" name="ZoneTexte 1">
+            <a:extLst>
+              <a:ext uri="{FF2B5EF4-FFF2-40B4-BE49-F238E27FC236}">
+                <a16:creationId xmlns:a16="http://schemas.microsoft.com/office/drawing/2014/main" id="{6CFBD193-F57A-8617-AF68-0D0E67611CF5}"/>
+              </a:ext>
+            </a:extLst>
+          </p:cNvPr>
+          <p:cNvSpPr txBox="1"/>
+          <p:nvPr/>
+        </p:nvSpPr>
+        <p:spPr>
+          <a:xfrm>
+            <a:off x="386080" y="833120"/>
+            <a:ext cx="4866640" cy="1477328"/>
+          </a:xfrm>
+          <a:prstGeom prst="rect">
+            <a:avLst/>
+          </a:prstGeom>
+          <a:noFill/>
+        </p:spPr>
+        <p:txBody>
+          <a:bodyPr wrap="square" rtlCol="0">
+            <a:spAutoFit/>
+          </a:bodyPr>
+          <a:lstStyle/>
+          <a:p>
+            <a:r>
+              <a:rPr lang="fr-FR" dirty="0"/>
+              <a:t>La fonction </a:t>
+            </a:r>
+            <a:r>
+              <a:rPr lang="fr-FR" b="0" dirty="0" err="1">
+                <a:solidFill>
+                  <a:srgbClr val="CE6700"/>
+                </a:solidFill>
+                <a:effectLst/>
+                <a:latin typeface="Consolas" panose="020B0609020204030204" pitchFamily="49" charset="0"/>
+              </a:rPr>
+              <a:t>debut_programme</a:t>
+            </a:r>
+            <a:r>
+              <a:rPr lang="fr-FR" b="0" dirty="0">
+                <a:solidFill>
+                  <a:srgbClr val="CE6700"/>
+                </a:solidFill>
+                <a:effectLst/>
+                <a:latin typeface="Consolas" panose="020B0609020204030204" pitchFamily="49" charset="0"/>
+              </a:rPr>
+              <a:t>():</a:t>
+            </a:r>
+            <a:endParaRPr lang="fr-FR" dirty="0"/>
+          </a:p>
+          <a:p>
+            <a:r>
+              <a:rPr lang="fr-FR" dirty="0"/>
+              <a:t>Lance le programme et initialise la page principale et charge dans des variables les autres pages</a:t>
+            </a:r>
+          </a:p>
+          <a:p>
+            <a:r>
+              <a:rPr lang="fr-FR" dirty="0"/>
+              <a:t> </a:t>
+            </a:r>
+            <a:endParaRPr lang="fr-FR" b="0" dirty="0">
+              <a:solidFill>
+                <a:srgbClr val="C5C8C6"/>
+              </a:solidFill>
+              <a:effectLst/>
+              <a:latin typeface="Consolas" panose="020B0609020204030204" pitchFamily="49" charset="0"/>
+            </a:endParaRPr>
+          </a:p>
+        </p:txBody>
+      </p:sp>
+      <p:pic>
+        <p:nvPicPr>
+          <p:cNvPr id="5" name="Image 4">
+            <a:extLst>
+              <a:ext uri="{FF2B5EF4-FFF2-40B4-BE49-F238E27FC236}">
+                <a16:creationId xmlns:a16="http://schemas.microsoft.com/office/drawing/2014/main" id="{D34705F7-E2E8-1C8E-E4F0-25B9260ADDE7}"/>
+              </a:ext>
+            </a:extLst>
+          </p:cNvPr>
+          <p:cNvPicPr>
+            <a:picLocks noChangeAspect="1"/>
+          </p:cNvPicPr>
+          <p:nvPr/>
+        </p:nvPicPr>
+        <p:blipFill>
+          <a:blip r:embed="rId2"/>
+          <a:stretch>
+            <a:fillRect/>
+          </a:stretch>
+        </p:blipFill>
+        <p:spPr>
+          <a:xfrm>
+            <a:off x="386080" y="2181532"/>
+            <a:ext cx="4364596" cy="785723"/>
+          </a:xfrm>
+          <a:prstGeom prst="rect">
+            <a:avLst/>
+          </a:prstGeom>
+        </p:spPr>
+      </p:pic>
     </p:spTree>
     <p:extLst>
       <p:ext uri="{BB962C8B-B14F-4D97-AF65-F5344CB8AC3E}">
@@ -4684,6 +4789,14 @@
 <file path=ppt/slides/slide14.xml><?xml version="1.0" encoding="utf-8"?>
 <p:sld xmlns:a="http://schemas.openxmlformats.org/drawingml/2006/main" xmlns:r="http://schemas.openxmlformats.org/officeDocument/2006/relationships" xmlns:p="http://schemas.openxmlformats.org/presentationml/2006/main">
   <p:cSld>
+    <p:bg>
+      <p:bgPr>
+        <a:solidFill>
+          <a:schemeClr val="tx1"/>
+        </a:solidFill>
+        <a:effectLst/>
+      </p:bgPr>
+    </p:bg>
     <p:spTree>
       <p:nvGrpSpPr>
         <p:cNvPr id="1" name=""/>
@@ -4720,8 +4833,12 @@
           <a:lstStyle/>
           <a:p>
             <a:r>
-              <a:rPr lang="fr-FR"/>
-              <a:t>Merci Pour votre attention</a:t>
+              <a:rPr lang="fr-FR" dirty="0">
+                <a:solidFill>
+                  <a:schemeClr val="bg1"/>
+                </a:solidFill>
+              </a:rPr>
+              <a:t>Merci pour votre attention !</a:t>
             </a:r>
           </a:p>
         </p:txBody>
@@ -4742,13 +4859,22 @@
             <p:ph idx="1"/>
           </p:nvPr>
         </p:nvSpPr>
-        <p:spPr/>
+        <p:spPr>
+          <a:xfrm>
+            <a:off x="4188460" y="2770505"/>
+            <a:ext cx="3815080" cy="1964055"/>
+          </a:xfrm>
+        </p:spPr>
         <p:txBody>
           <a:bodyPr/>
           <a:lstStyle/>
           <a:p>
             <a:r>
-              <a:rPr lang="fr-FR"/>
+              <a:rPr lang="fr-FR" dirty="0">
+                <a:solidFill>
+                  <a:schemeClr val="bg1"/>
+                </a:solidFill>
+              </a:rPr>
               <a:t>Nos Contacts : </a:t>
             </a:r>
           </a:p>
@@ -4757,13 +4883,13 @@
               <a:buNone/>
             </a:pPr>
             <a:r>
-              <a:rPr lang="fr-FR">
+              <a:rPr lang="fr-FR" dirty="0">
                 <a:hlinkClick r:id="rId2"/>
               </a:rPr>
               <a:t>merin.sallami@ipsa.fr</a:t>
             </a:r>
             <a:r>
-              <a:rPr lang="fr-FR"/>
+              <a:rPr lang="fr-FR" dirty="0"/>
               <a:t> </a:t>
             </a:r>
           </a:p>
@@ -4772,13 +4898,13 @@
               <a:buNone/>
             </a:pPr>
             <a:r>
-              <a:rPr lang="fr-FR">
+              <a:rPr lang="fr-FR" dirty="0">
                 <a:hlinkClick r:id="rId3"/>
               </a:rPr>
               <a:t>axel.chavand@ipsa.fr</a:t>
             </a:r>
             <a:r>
-              <a:rPr lang="fr-FR"/>
+              <a:rPr lang="fr-FR" dirty="0"/>
               <a:t> </a:t>
             </a:r>
           </a:p>

--- a/presentation MAFR.pptx
+++ b/presentation MAFR.pptx
@@ -5,7 +5,7 @@
     <p:sldMasterId id="2147483648" r:id="rId1"/>
   </p:sldMasterIdLst>
   <p:notesMasterIdLst>
-    <p:notesMasterId r:id="rId16"/>
+    <p:notesMasterId r:id="rId17"/>
   </p:notesMasterIdLst>
   <p:sldIdLst>
     <p:sldId id="256" r:id="rId2"/>
@@ -21,7 +21,8 @@
     <p:sldId id="269" r:id="rId12"/>
     <p:sldId id="266" r:id="rId13"/>
     <p:sldId id="264" r:id="rId14"/>
-    <p:sldId id="265" r:id="rId15"/>
+    <p:sldId id="271" r:id="rId15"/>
+    <p:sldId id="265" r:id="rId16"/>
   </p:sldIdLst>
   <p:sldSz cx="12192000" cy="6858000"/>
   <p:notesSz cx="6858000" cy="9144000"/>
@@ -3981,6 +3982,14 @@
 <file path=ppt/slides/slide10.xml><?xml version="1.0" encoding="utf-8"?>
 <p:sld xmlns:a="http://schemas.openxmlformats.org/drawingml/2006/main" xmlns:r="http://schemas.openxmlformats.org/officeDocument/2006/relationships" xmlns:p="http://schemas.openxmlformats.org/presentationml/2006/main">
   <p:cSld>
+    <p:bg>
+      <p:bgPr>
+        <a:solidFill>
+          <a:schemeClr val="tx1"/>
+        </a:solidFill>
+        <a:effectLst/>
+      </p:bgPr>
+    </p:bg>
     <p:spTree>
       <p:nvGrpSpPr>
         <p:cNvPr id="1" name=""/>
@@ -4010,7 +4019,7 @@
         <p:spPr>
           <a:xfrm>
             <a:off x="468086" y="228600"/>
-            <a:ext cx="9525000" cy="369332"/>
+            <a:ext cx="9525000" cy="723275"/>
           </a:xfrm>
           <a:prstGeom prst="rect">
             <a:avLst/>
@@ -4024,7 +4033,11 @@
           <a:lstStyle/>
           <a:p>
             <a:r>
-              <a:rPr lang="fr-FR" dirty="0"/>
+              <a:rPr lang="fr-FR" sz="4100" dirty="0">
+                <a:solidFill>
+                  <a:schemeClr val="bg1"/>
+                </a:solidFill>
+              </a:rPr>
               <a:t>Structure du programme Python :</a:t>
             </a:r>
           </a:p>
@@ -4044,7 +4057,7 @@
         </p:nvSpPr>
         <p:spPr>
           <a:xfrm>
-            <a:off x="5203371" y="1034143"/>
+            <a:off x="4932897" y="3520826"/>
             <a:ext cx="1785258" cy="664029"/>
           </a:xfrm>
           <a:prstGeom prst="rect">
@@ -4093,7 +4106,7 @@
         </p:nvSpPr>
         <p:spPr>
           <a:xfrm>
-            <a:off x="642258" y="3429000"/>
+            <a:off x="-68298" y="5572430"/>
             <a:ext cx="1719942" cy="587827"/>
           </a:xfrm>
           <a:prstGeom prst="rect">
@@ -4142,7 +4155,7 @@
         </p:nvSpPr>
         <p:spPr>
           <a:xfrm>
-            <a:off x="3243942" y="4365172"/>
+            <a:off x="2775856" y="5507116"/>
             <a:ext cx="2852058" cy="718457"/>
           </a:xfrm>
           <a:prstGeom prst="rect">
@@ -4191,7 +4204,7 @@
         </p:nvSpPr>
         <p:spPr>
           <a:xfrm>
-            <a:off x="9209315" y="3428998"/>
+            <a:off x="9710057" y="5507116"/>
             <a:ext cx="2481943" cy="587828"/>
           </a:xfrm>
           <a:prstGeom prst="rect">
@@ -4240,7 +4253,7 @@
         </p:nvSpPr>
         <p:spPr>
           <a:xfrm>
-            <a:off x="6357257" y="4365172"/>
+            <a:off x="6242956" y="5464628"/>
             <a:ext cx="2852058" cy="718457"/>
           </a:xfrm>
           <a:prstGeom prst="rect">
@@ -4277,10 +4290,10 @@
       </p:sp>
       <p:cxnSp>
         <p:nvCxnSpPr>
-          <p:cNvPr id="11" name="Connecteur droit avec flèche 10">
-            <a:extLst>
-              <a:ext uri="{FF2B5EF4-FFF2-40B4-BE49-F238E27FC236}">
-                <a16:creationId xmlns:a16="http://schemas.microsoft.com/office/drawing/2014/main" id="{F1B0A19E-1617-7EC4-9C2F-51F4F6C2C916}"/>
+          <p:cNvPr id="3" name="Connecteur droit avec flèche 2">
+            <a:extLst>
+              <a:ext uri="{FF2B5EF4-FFF2-40B4-BE49-F238E27FC236}">
+                <a16:creationId xmlns:a16="http://schemas.microsoft.com/office/drawing/2014/main" id="{3B0528E4-8BE7-3090-9E40-5EF91A692FAB}"/>
               </a:ext>
             </a:extLst>
           </p:cNvPr>
@@ -4289,15 +4302,15 @@
         </p:nvCxnSpPr>
         <p:spPr>
           <a:xfrm flipV="1">
-            <a:off x="1839686" y="1611086"/>
-            <a:ext cx="3494314" cy="1817912"/>
+            <a:off x="1297858" y="4070555"/>
+            <a:ext cx="3775587" cy="1501877"/>
           </a:xfrm>
           <a:prstGeom prst="straightConnector1">
             <a:avLst/>
           </a:prstGeom>
           <a:ln>
             <a:solidFill>
-              <a:schemeClr val="tx2"/>
+              <a:schemeClr val="bg1"/>
             </a:solidFill>
             <a:tailEnd type="triangle"/>
           </a:ln>
@@ -4319,27 +4332,29 @@
       </p:cxnSp>
       <p:cxnSp>
         <p:nvCxnSpPr>
-          <p:cNvPr id="13" name="Connecteur droit avec flèche 12">
-            <a:extLst>
-              <a:ext uri="{FF2B5EF4-FFF2-40B4-BE49-F238E27FC236}">
-                <a16:creationId xmlns:a16="http://schemas.microsoft.com/office/drawing/2014/main" id="{8243786E-262E-C05B-3D32-357EC1C19290}"/>
-              </a:ext>
-            </a:extLst>
-          </p:cNvPr>
-          <p:cNvCxnSpPr/>
+          <p:cNvPr id="12" name="Connecteur droit avec flèche 11">
+            <a:extLst>
+              <a:ext uri="{FF2B5EF4-FFF2-40B4-BE49-F238E27FC236}">
+                <a16:creationId xmlns:a16="http://schemas.microsoft.com/office/drawing/2014/main" id="{F341B485-0DD8-6424-3975-0F7D95A1252D}"/>
+              </a:ext>
+            </a:extLst>
+          </p:cNvPr>
+          <p:cNvCxnSpPr>
+            <a:stCxn id="7" idx="0"/>
+          </p:cNvCxnSpPr>
           <p:nvPr/>
         </p:nvCxnSpPr>
         <p:spPr>
           <a:xfrm flipV="1">
-            <a:off x="4528457" y="1611086"/>
-            <a:ext cx="1099457" cy="2754086"/>
+            <a:off x="4201885" y="4095047"/>
+            <a:ext cx="1028701" cy="1412069"/>
           </a:xfrm>
           <a:prstGeom prst="straightConnector1">
             <a:avLst/>
           </a:prstGeom>
           <a:ln>
             <a:solidFill>
-              <a:schemeClr val="tx1"/>
+              <a:schemeClr val="bg1"/>
             </a:solidFill>
             <a:tailEnd type="triangle"/>
           </a:ln>
@@ -4361,10 +4376,10 @@
       </p:cxnSp>
       <p:cxnSp>
         <p:nvCxnSpPr>
-          <p:cNvPr id="15" name="Connecteur droit avec flèche 14">
-            <a:extLst>
-              <a:ext uri="{FF2B5EF4-FFF2-40B4-BE49-F238E27FC236}">
-                <a16:creationId xmlns:a16="http://schemas.microsoft.com/office/drawing/2014/main" id="{CF965139-BFAC-D9FC-AB08-1547BB92AEA9}"/>
+          <p:cNvPr id="16" name="Connecteur droit avec flèche 15">
+            <a:extLst>
+              <a:ext uri="{FF2B5EF4-FFF2-40B4-BE49-F238E27FC236}">
+                <a16:creationId xmlns:a16="http://schemas.microsoft.com/office/drawing/2014/main" id="{41498D32-E92A-8A24-167B-0C2AA44D90A0}"/>
               </a:ext>
             </a:extLst>
           </p:cNvPr>
@@ -4373,15 +4388,15 @@
         </p:nvCxnSpPr>
         <p:spPr>
           <a:xfrm flipH="1" flipV="1">
-            <a:off x="6466114" y="1611086"/>
-            <a:ext cx="740229" cy="2754086"/>
+            <a:off x="5949045" y="4070555"/>
+            <a:ext cx="1061355" cy="1394073"/>
           </a:xfrm>
           <a:prstGeom prst="straightConnector1">
             <a:avLst/>
           </a:prstGeom>
           <a:ln>
             <a:solidFill>
-              <a:schemeClr val="tx1"/>
+              <a:schemeClr val="bg1"/>
             </a:solidFill>
             <a:tailEnd type="triangle"/>
           </a:ln>
@@ -4403,10 +4418,10 @@
       </p:cxnSp>
       <p:cxnSp>
         <p:nvCxnSpPr>
-          <p:cNvPr id="17" name="Connecteur droit avec flèche 16">
-            <a:extLst>
-              <a:ext uri="{FF2B5EF4-FFF2-40B4-BE49-F238E27FC236}">
-                <a16:creationId xmlns:a16="http://schemas.microsoft.com/office/drawing/2014/main" id="{E9B28A0C-2554-1734-142D-E10EB18A011B}"/>
+          <p:cNvPr id="19" name="Connecteur droit avec flèche 18">
+            <a:extLst>
+              <a:ext uri="{FF2B5EF4-FFF2-40B4-BE49-F238E27FC236}">
+                <a16:creationId xmlns:a16="http://schemas.microsoft.com/office/drawing/2014/main" id="{AA7D52DD-4C1A-1533-1A7B-442CCAAA967A}"/>
               </a:ext>
             </a:extLst>
           </p:cNvPr>
@@ -4415,15 +4430,15 @@
         </p:nvCxnSpPr>
         <p:spPr>
           <a:xfrm flipH="1" flipV="1">
-            <a:off x="6836228" y="1611086"/>
-            <a:ext cx="2710543" cy="1817912"/>
+            <a:off x="6494999" y="4095047"/>
+            <a:ext cx="3612385" cy="1412069"/>
           </a:xfrm>
           <a:prstGeom prst="straightConnector1">
             <a:avLst/>
           </a:prstGeom>
           <a:ln>
             <a:solidFill>
-              <a:schemeClr val="tx1"/>
+              <a:schemeClr val="bg1"/>
             </a:solidFill>
             <a:tailEnd type="triangle"/>
           </a:ln>
@@ -4443,6 +4458,45 @@
           </a:fontRef>
         </p:style>
       </p:cxnSp>
+      <p:sp>
+        <p:nvSpPr>
+          <p:cNvPr id="20" name="ZoneTexte 19">
+            <a:extLst>
+              <a:ext uri="{FF2B5EF4-FFF2-40B4-BE49-F238E27FC236}">
+                <a16:creationId xmlns:a16="http://schemas.microsoft.com/office/drawing/2014/main" id="{50A77E27-C910-CCC6-040C-39A5B6659AF6}"/>
+              </a:ext>
+            </a:extLst>
+          </p:cNvPr>
+          <p:cNvSpPr txBox="1"/>
+          <p:nvPr/>
+        </p:nvSpPr>
+        <p:spPr>
+          <a:xfrm>
+            <a:off x="7668985" y="1297858"/>
+            <a:ext cx="3716770" cy="2308324"/>
+          </a:xfrm>
+          <a:prstGeom prst="rect">
+            <a:avLst/>
+          </a:prstGeom>
+          <a:noFill/>
+        </p:spPr>
+        <p:txBody>
+          <a:bodyPr wrap="square" rtlCol="0">
+            <a:spAutoFit/>
+          </a:bodyPr>
+          <a:lstStyle/>
+          <a:p>
+            <a:r>
+              <a:rPr lang="fr-FR" dirty="0">
+                <a:solidFill>
+                  <a:schemeClr val="bg1"/>
+                </a:solidFill>
+              </a:rPr>
+              <a:t>Dans le fichier Interface.py, on retrouve uniquement des fonctions, C’est également lui qui va exécuter les actions et appeler les fonctions présentent dans d’autres modules. Il permet de faire le lien entre tous les modules et liés les différentes fonctionnalités, </a:t>
+            </a:r>
+          </a:p>
+        </p:txBody>
+      </p:sp>
     </p:spTree>
     <p:extLst>
       <p:ext uri="{BB962C8B-B14F-4D97-AF65-F5344CB8AC3E}">
@@ -4459,6 +4513,14 @@
 <file path=ppt/slides/slide11.xml><?xml version="1.0" encoding="utf-8"?>
 <p:sld xmlns:a="http://schemas.openxmlformats.org/drawingml/2006/main" xmlns:r="http://schemas.openxmlformats.org/officeDocument/2006/relationships" xmlns:p="http://schemas.openxmlformats.org/presentationml/2006/main">
   <p:cSld>
+    <p:bg>
+      <p:bgPr>
+        <a:solidFill>
+          <a:schemeClr val="tx1"/>
+        </a:solidFill>
+        <a:effectLst/>
+      </p:bgPr>
+    </p:bg>
     <p:spTree>
       <p:nvGrpSpPr>
         <p:cNvPr id="1" name=""/>
@@ -4487,8 +4549,8 @@
         </p:nvSpPr>
         <p:spPr>
           <a:xfrm>
-            <a:off x="76200" y="0"/>
-            <a:ext cx="8469086" cy="369332"/>
+            <a:off x="168553" y="47397"/>
+            <a:ext cx="8469086" cy="723275"/>
           </a:xfrm>
           <a:prstGeom prst="rect">
             <a:avLst/>
@@ -4502,7 +4564,11 @@
           <a:lstStyle/>
           <a:p>
             <a:r>
-              <a:rPr lang="fr-FR" dirty="0"/>
+              <a:rPr lang="fr-FR" sz="4100" dirty="0">
+                <a:solidFill>
+                  <a:schemeClr val="bg1"/>
+                </a:solidFill>
+              </a:rPr>
               <a:t>Fonctions et description :</a:t>
             </a:r>
           </a:p>
@@ -4523,7 +4589,7 @@
         <p:spPr>
           <a:xfrm>
             <a:off x="386080" y="833120"/>
-            <a:ext cx="4866640" cy="1477328"/>
+            <a:ext cx="4866640" cy="1754326"/>
           </a:xfrm>
           <a:prstGeom prst="rect">
             <a:avLst/>
@@ -4537,45 +4603,72 @@
           <a:lstStyle/>
           <a:p>
             <a:r>
-              <a:rPr lang="fr-FR" dirty="0"/>
+              <a:rPr lang="fr-FR" dirty="0">
+                <a:solidFill>
+                  <a:schemeClr val="bg1"/>
+                </a:solidFill>
+              </a:rPr>
               <a:t>La fonction </a:t>
             </a:r>
             <a:r>
               <a:rPr lang="fr-FR" b="0" dirty="0" err="1">
                 <a:solidFill>
-                  <a:srgbClr val="CE6700"/>
+                  <a:schemeClr val="bg1"/>
                 </a:solidFill>
                 <a:effectLst/>
-                <a:latin typeface="Consolas" panose="020B0609020204030204" pitchFamily="49" charset="0"/>
               </a:rPr>
               <a:t>debut_programme</a:t>
             </a:r>
             <a:r>
-              <a:rPr lang="fr-FR" b="0" dirty="0">
-                <a:solidFill>
-                  <a:srgbClr val="CE6700"/>
-                </a:solidFill>
-                <a:effectLst/>
-                <a:latin typeface="Consolas" panose="020B0609020204030204" pitchFamily="49" charset="0"/>
-              </a:rPr>
-              <a:t>():</a:t>
-            </a:r>
-            <a:endParaRPr lang="fr-FR" dirty="0"/>
-          </a:p>
-          <a:p>
-            <a:r>
-              <a:rPr lang="fr-FR" dirty="0"/>
-              <a:t>Lance le programme et initialise la page principale et charge dans des variables les autres pages</a:t>
-            </a:r>
-          </a:p>
-          <a:p>
-            <a:r>
-              <a:rPr lang="fr-FR" dirty="0"/>
-              <a:t> </a:t>
+              <a:rPr lang="fr-FR" dirty="0">
+                <a:solidFill>
+                  <a:schemeClr val="bg1"/>
+                </a:solidFill>
+              </a:rPr>
+              <a:t> dans le fichier Interface.py</a:t>
             </a:r>
             <a:endParaRPr lang="fr-FR" b="0" dirty="0">
               <a:solidFill>
-                <a:srgbClr val="C5C8C6"/>
+                <a:schemeClr val="bg1"/>
+              </a:solidFill>
+              <a:effectLst/>
+            </a:endParaRPr>
+          </a:p>
+          <a:p>
+            <a:r>
+              <a:rPr lang="fr-FR" dirty="0">
+                <a:solidFill>
+                  <a:schemeClr val="bg1"/>
+                </a:solidFill>
+              </a:rPr>
+              <a:t>Lance le programme et initialise la page principale et charge dans des variables les autres pages en .</a:t>
+            </a:r>
+            <a:r>
+              <a:rPr lang="fr-FR" dirty="0" err="1">
+                <a:solidFill>
+                  <a:schemeClr val="bg1"/>
+                </a:solidFill>
+              </a:rPr>
+              <a:t>ui</a:t>
+            </a:r>
+            <a:endParaRPr lang="fr-FR" dirty="0">
+              <a:solidFill>
+                <a:schemeClr val="bg1"/>
+              </a:solidFill>
+            </a:endParaRPr>
+          </a:p>
+          <a:p>
+            <a:r>
+              <a:rPr lang="fr-FR" dirty="0">
+                <a:solidFill>
+                  <a:schemeClr val="bg1"/>
+                </a:solidFill>
+              </a:rPr>
+              <a:t> </a:t>
+            </a:r>
+            <a:endParaRPr lang="fr-FR" b="0" dirty="0">
+              <a:solidFill>
+                <a:schemeClr val="bg1"/>
               </a:solidFill>
               <a:effectLst/>
               <a:latin typeface="Consolas" panose="020B0609020204030204" pitchFamily="49" charset="0"/>
@@ -4605,8 +4698,247 @@
         </p:blipFill>
         <p:spPr>
           <a:xfrm>
-            <a:off x="386080" y="2181532"/>
+            <a:off x="82317" y="5441739"/>
             <a:ext cx="4364596" cy="785723"/>
+          </a:xfrm>
+          <a:prstGeom prst="rect">
+            <a:avLst/>
+          </a:prstGeom>
+        </p:spPr>
+      </p:pic>
+      <p:sp>
+        <p:nvSpPr>
+          <p:cNvPr id="3" name="ZoneTexte 2">
+            <a:extLst>
+              <a:ext uri="{FF2B5EF4-FFF2-40B4-BE49-F238E27FC236}">
+                <a16:creationId xmlns:a16="http://schemas.microsoft.com/office/drawing/2014/main" id="{7460DC14-7D23-E407-8EE7-98ECFF0ABF0B}"/>
+              </a:ext>
+            </a:extLst>
+          </p:cNvPr>
+          <p:cNvSpPr txBox="1"/>
+          <p:nvPr/>
+        </p:nvSpPr>
+        <p:spPr>
+          <a:xfrm>
+            <a:off x="6868160" y="729129"/>
+            <a:ext cx="4689987" cy="1200329"/>
+          </a:xfrm>
+          <a:prstGeom prst="rect">
+            <a:avLst/>
+          </a:prstGeom>
+          <a:noFill/>
+        </p:spPr>
+        <p:txBody>
+          <a:bodyPr wrap="square" rtlCol="0">
+            <a:spAutoFit/>
+          </a:bodyPr>
+          <a:lstStyle/>
+          <a:p>
+            <a:r>
+              <a:rPr lang="fr-FR" dirty="0">
+                <a:solidFill>
+                  <a:schemeClr val="bg1"/>
+                </a:solidFill>
+              </a:rPr>
+              <a:t>La fonction </a:t>
+            </a:r>
+            <a:r>
+              <a:rPr lang="fr-FR" dirty="0" err="1">
+                <a:solidFill>
+                  <a:schemeClr val="bg1"/>
+                </a:solidFill>
+              </a:rPr>
+              <a:t>getTousUtilisateurs</a:t>
+            </a:r>
+            <a:r>
+              <a:rPr lang="fr-FR" dirty="0">
+                <a:solidFill>
+                  <a:schemeClr val="bg1"/>
+                </a:solidFill>
+              </a:rPr>
+              <a:t> dans le fichier requetteBaseDonnees.py permet de récupérer l’ensembles  des données qui sont stockées</a:t>
+            </a:r>
+          </a:p>
+        </p:txBody>
+      </p:sp>
+      <p:pic>
+        <p:nvPicPr>
+          <p:cNvPr id="9" name="Image 8">
+            <a:extLst>
+              <a:ext uri="{FF2B5EF4-FFF2-40B4-BE49-F238E27FC236}">
+                <a16:creationId xmlns:a16="http://schemas.microsoft.com/office/drawing/2014/main" id="{0DFFD4EF-6380-A075-B3C3-59AD9A4CEDB5}"/>
+              </a:ext>
+            </a:extLst>
+          </p:cNvPr>
+          <p:cNvPicPr>
+            <a:picLocks noChangeAspect="1"/>
+          </p:cNvPicPr>
+          <p:nvPr/>
+        </p:nvPicPr>
+        <p:blipFill>
+          <a:blip r:embed="rId3"/>
+          <a:stretch>
+            <a:fillRect/>
+          </a:stretch>
+        </p:blipFill>
+        <p:spPr>
+          <a:xfrm>
+            <a:off x="386080" y="2266750"/>
+            <a:ext cx="3757070" cy="3174989"/>
+          </a:xfrm>
+          <a:prstGeom prst="rect">
+            <a:avLst/>
+          </a:prstGeom>
+        </p:spPr>
+      </p:pic>
+      <p:sp>
+        <p:nvSpPr>
+          <p:cNvPr id="10" name="ZoneTexte 9">
+            <a:extLst>
+              <a:ext uri="{FF2B5EF4-FFF2-40B4-BE49-F238E27FC236}">
+                <a16:creationId xmlns:a16="http://schemas.microsoft.com/office/drawing/2014/main" id="{42578745-17DE-C64A-7A13-311FB2537298}"/>
+              </a:ext>
+            </a:extLst>
+          </p:cNvPr>
+          <p:cNvSpPr txBox="1"/>
+          <p:nvPr/>
+        </p:nvSpPr>
+        <p:spPr>
+          <a:xfrm>
+            <a:off x="6970594" y="3429000"/>
+            <a:ext cx="4788310" cy="923330"/>
+          </a:xfrm>
+          <a:prstGeom prst="rect">
+            <a:avLst/>
+          </a:prstGeom>
+          <a:noFill/>
+        </p:spPr>
+        <p:txBody>
+          <a:bodyPr wrap="square" rtlCol="0">
+            <a:spAutoFit/>
+          </a:bodyPr>
+          <a:lstStyle/>
+          <a:p>
+            <a:r>
+              <a:rPr lang="fr-FR" dirty="0">
+                <a:solidFill>
+                  <a:schemeClr val="bg1"/>
+                </a:solidFill>
+              </a:rPr>
+              <a:t>La fonction </a:t>
+            </a:r>
+            <a:r>
+              <a:rPr lang="fr-FR" dirty="0" err="1">
+                <a:solidFill>
+                  <a:schemeClr val="bg1"/>
+                </a:solidFill>
+              </a:rPr>
+              <a:t>envoieMail</a:t>
+            </a:r>
+            <a:r>
+              <a:rPr lang="fr-FR" dirty="0">
+                <a:solidFill>
+                  <a:schemeClr val="bg1"/>
+                </a:solidFill>
+              </a:rPr>
+              <a:t> dans le fichier mail.py permet d’envoyé un mail à une adresse mail passée en argument</a:t>
+            </a:r>
+          </a:p>
+        </p:txBody>
+      </p:sp>
+      <p:pic>
+        <p:nvPicPr>
+          <p:cNvPr id="12" name="Image 11">
+            <a:extLst>
+              <a:ext uri="{FF2B5EF4-FFF2-40B4-BE49-F238E27FC236}">
+                <a16:creationId xmlns:a16="http://schemas.microsoft.com/office/drawing/2014/main" id="{A39CF348-2B80-A496-4F13-D7994329C5C9}"/>
+              </a:ext>
+            </a:extLst>
+          </p:cNvPr>
+          <p:cNvPicPr>
+            <a:picLocks noChangeAspect="1"/>
+          </p:cNvPicPr>
+          <p:nvPr/>
+        </p:nvPicPr>
+        <p:blipFill>
+          <a:blip r:embed="rId4"/>
+          <a:stretch>
+            <a:fillRect/>
+          </a:stretch>
+        </p:blipFill>
+        <p:spPr>
+          <a:xfrm>
+            <a:off x="7033084" y="4410154"/>
+            <a:ext cx="4990363" cy="1424446"/>
+          </a:xfrm>
+          <a:prstGeom prst="rect">
+            <a:avLst/>
+          </a:prstGeom>
+        </p:spPr>
+      </p:pic>
+      <p:sp>
+        <p:nvSpPr>
+          <p:cNvPr id="13" name="ZoneTexte 12">
+            <a:extLst>
+              <a:ext uri="{FF2B5EF4-FFF2-40B4-BE49-F238E27FC236}">
+                <a16:creationId xmlns:a16="http://schemas.microsoft.com/office/drawing/2014/main" id="{CBC81D50-75E5-46CF-04C2-7D5D19F93709}"/>
+              </a:ext>
+            </a:extLst>
+          </p:cNvPr>
+          <p:cNvSpPr txBox="1"/>
+          <p:nvPr/>
+        </p:nvSpPr>
+        <p:spPr>
+          <a:xfrm>
+            <a:off x="4561840" y="5923280"/>
+            <a:ext cx="4612640" cy="923330"/>
+          </a:xfrm>
+          <a:prstGeom prst="rect">
+            <a:avLst/>
+          </a:prstGeom>
+          <a:noFill/>
+        </p:spPr>
+        <p:txBody>
+          <a:bodyPr wrap="square" rtlCol="0">
+            <a:spAutoFit/>
+          </a:bodyPr>
+          <a:lstStyle/>
+          <a:p>
+            <a:r>
+              <a:rPr lang="fr-FR" dirty="0">
+                <a:solidFill>
+                  <a:schemeClr val="bg1"/>
+                </a:solidFill>
+              </a:rPr>
+              <a:t>Au total, en compte 40 fonctions (qui ne sont pas toutes actuellement utilisées mais qui sont là pour les prochaines mises à jour)</a:t>
+            </a:r>
+          </a:p>
+        </p:txBody>
+      </p:sp>
+      <p:pic>
+        <p:nvPicPr>
+          <p:cNvPr id="15" name="Image 14">
+            <a:extLst>
+              <a:ext uri="{FF2B5EF4-FFF2-40B4-BE49-F238E27FC236}">
+                <a16:creationId xmlns:a16="http://schemas.microsoft.com/office/drawing/2014/main" id="{05459CD0-49BF-BE01-6E31-236AF76CDE74}"/>
+              </a:ext>
+            </a:extLst>
+          </p:cNvPr>
+          <p:cNvPicPr>
+            <a:picLocks noChangeAspect="1"/>
+          </p:cNvPicPr>
+          <p:nvPr/>
+        </p:nvPicPr>
+        <p:blipFill>
+          <a:blip r:embed="rId5"/>
+          <a:stretch>
+            <a:fillRect/>
+          </a:stretch>
+        </p:blipFill>
+        <p:spPr>
+          <a:xfrm>
+            <a:off x="7486214" y="2089547"/>
+            <a:ext cx="3757070" cy="1043285"/>
           </a:xfrm>
           <a:prstGeom prst="rect">
             <a:avLst/>
@@ -4629,6 +4961,14 @@
 <file path=ppt/slides/slide12.xml><?xml version="1.0" encoding="utf-8"?>
 <p:sld xmlns:a="http://schemas.openxmlformats.org/drawingml/2006/main" xmlns:r="http://schemas.openxmlformats.org/officeDocument/2006/relationships" xmlns:p="http://schemas.openxmlformats.org/presentationml/2006/main">
   <p:cSld>
+    <p:bg>
+      <p:bgPr>
+        <a:solidFill>
+          <a:schemeClr val="tx1"/>
+        </a:solidFill>
+        <a:effectLst/>
+      </p:bgPr>
+    </p:bg>
     <p:spTree>
       <p:nvGrpSpPr>
         <p:cNvPr id="1" name=""/>
@@ -4645,51 +4985,236 @@
       </p:grpSpPr>
       <p:sp>
         <p:nvSpPr>
-          <p:cNvPr id="2" name="Titre 1">
-            <a:extLst>
-              <a:ext uri="{FF2B5EF4-FFF2-40B4-BE49-F238E27FC236}">
-                <a16:creationId xmlns:a16="http://schemas.microsoft.com/office/drawing/2014/main" id="{09A71267-F5DA-4B0D-BD13-0DD0A0D888C6}"/>
-              </a:ext>
-            </a:extLst>
-          </p:cNvPr>
-          <p:cNvSpPr>
-            <a:spLocks noGrp="1"/>
-          </p:cNvSpPr>
-          <p:nvPr>
-            <p:ph type="title"/>
-          </p:nvPr>
-        </p:nvSpPr>
-        <p:spPr/>
-        <p:txBody>
-          <a:bodyPr/>
+          <p:cNvPr id="4" name="ZoneTexte 3">
+            <a:extLst>
+              <a:ext uri="{FF2B5EF4-FFF2-40B4-BE49-F238E27FC236}">
+                <a16:creationId xmlns:a16="http://schemas.microsoft.com/office/drawing/2014/main" id="{E5EF9EB9-1CC2-0B32-17CA-CCDF049D67F3}"/>
+              </a:ext>
+            </a:extLst>
+          </p:cNvPr>
+          <p:cNvSpPr txBox="1"/>
+          <p:nvPr/>
+        </p:nvSpPr>
+        <p:spPr>
+          <a:xfrm>
+            <a:off x="255639" y="157316"/>
+            <a:ext cx="10264877" cy="723275"/>
+          </a:xfrm>
+          <a:prstGeom prst="rect">
+            <a:avLst/>
+          </a:prstGeom>
+          <a:noFill/>
+        </p:spPr>
+        <p:txBody>
+          <a:bodyPr wrap="square" rtlCol="0">
+            <a:spAutoFit/>
+          </a:bodyPr>
           <a:lstStyle/>
           <a:p>
-            <a:endParaRPr lang="fr-FR"/>
-          </a:p>
-        </p:txBody>
-      </p:sp>
-      <p:sp>
-        <p:nvSpPr>
-          <p:cNvPr id="3" name="Espace réservé du contenu 2">
-            <a:extLst>
-              <a:ext uri="{FF2B5EF4-FFF2-40B4-BE49-F238E27FC236}">
-                <a16:creationId xmlns:a16="http://schemas.microsoft.com/office/drawing/2014/main" id="{624CF7F9-458F-F697-22B8-711A4EC45CB0}"/>
-              </a:ext>
-            </a:extLst>
-          </p:cNvPr>
-          <p:cNvSpPr>
-            <a:spLocks noGrp="1"/>
-          </p:cNvSpPr>
-          <p:nvPr>
-            <p:ph idx="1"/>
-          </p:nvPr>
-        </p:nvSpPr>
-        <p:spPr/>
-        <p:txBody>
-          <a:bodyPr/>
+            <a:r>
+              <a:rPr lang="fr-FR" sz="4100" dirty="0">
+                <a:solidFill>
+                  <a:schemeClr val="bg1"/>
+                </a:solidFill>
+              </a:rPr>
+              <a:t> Résultats partiels et commentaires :</a:t>
+            </a:r>
+          </a:p>
+        </p:txBody>
+      </p:sp>
+      <p:sp>
+        <p:nvSpPr>
+          <p:cNvPr id="5" name="ZoneTexte 4">
+            <a:extLst>
+              <a:ext uri="{FF2B5EF4-FFF2-40B4-BE49-F238E27FC236}">
+                <a16:creationId xmlns:a16="http://schemas.microsoft.com/office/drawing/2014/main" id="{1C9BD4DD-6D93-C4AE-E943-5246EDF0973F}"/>
+              </a:ext>
+            </a:extLst>
+          </p:cNvPr>
+          <p:cNvSpPr txBox="1"/>
+          <p:nvPr/>
+        </p:nvSpPr>
+        <p:spPr>
+          <a:xfrm>
+            <a:off x="599440" y="1890415"/>
+            <a:ext cx="6351639" cy="2308324"/>
+          </a:xfrm>
+          <a:prstGeom prst="rect">
+            <a:avLst/>
+          </a:prstGeom>
+          <a:noFill/>
+        </p:spPr>
+        <p:txBody>
+          <a:bodyPr wrap="square" rtlCol="0">
+            <a:spAutoFit/>
+          </a:bodyPr>
           <a:lstStyle/>
           <a:p>
-            <a:endParaRPr lang="fr-FR"/>
+            <a:r>
+              <a:rPr lang="fr-FR" dirty="0">
+                <a:solidFill>
+                  <a:schemeClr val="bg1"/>
+                </a:solidFill>
+              </a:rPr>
+              <a:t>Résultats partiels : </a:t>
+            </a:r>
+          </a:p>
+          <a:p>
+            <a:pPr marL="285750" indent="-285750">
+              <a:buFont typeface="Arial" panose="020B0604020202020204" pitchFamily="34" charset="0"/>
+              <a:buChar char="•"/>
+            </a:pPr>
+            <a:r>
+              <a:rPr lang="fr-FR" dirty="0">
+                <a:solidFill>
+                  <a:schemeClr val="bg1"/>
+                </a:solidFill>
+              </a:rPr>
+              <a:t>Etapes franchies : </a:t>
+            </a:r>
+          </a:p>
+          <a:p>
+            <a:r>
+              <a:rPr lang="fr-FR" dirty="0">
+                <a:solidFill>
+                  <a:schemeClr val="bg1"/>
+                </a:solidFill>
+              </a:rPr>
+              <a:t>	Avoir une base de données en ligne en temps réelle et 	fonctionnelles.</a:t>
+            </a:r>
+          </a:p>
+          <a:p>
+            <a:endParaRPr lang="fr-FR" dirty="0">
+              <a:solidFill>
+                <a:schemeClr val="bg1"/>
+              </a:solidFill>
+            </a:endParaRPr>
+          </a:p>
+          <a:p>
+            <a:pPr marL="285750" indent="-285750">
+              <a:buFont typeface="Arial" panose="020B0604020202020204" pitchFamily="34" charset="0"/>
+              <a:buChar char="•"/>
+            </a:pPr>
+            <a:r>
+              <a:rPr lang="fr-FR" dirty="0">
+                <a:solidFill>
+                  <a:schemeClr val="bg1"/>
+                </a:solidFill>
+              </a:rPr>
+              <a:t>Les moins :</a:t>
+            </a:r>
+          </a:p>
+          <a:p>
+            <a:r>
+              <a:rPr lang="fr-FR" dirty="0">
+                <a:solidFill>
+                  <a:schemeClr val="bg1"/>
+                </a:solidFill>
+              </a:rPr>
+              <a:t>	Api de radar qui ne fonctionne plus ou mal après un 	certain temps relativement long à les avoir testées.</a:t>
+            </a:r>
+          </a:p>
+        </p:txBody>
+      </p:sp>
+      <p:sp>
+        <p:nvSpPr>
+          <p:cNvPr id="6" name="ZoneTexte 5">
+            <a:extLst>
+              <a:ext uri="{FF2B5EF4-FFF2-40B4-BE49-F238E27FC236}">
+                <a16:creationId xmlns:a16="http://schemas.microsoft.com/office/drawing/2014/main" id="{9E09BCB6-A34C-EC16-9EF1-60320C0A4B7D}"/>
+              </a:ext>
+            </a:extLst>
+          </p:cNvPr>
+          <p:cNvSpPr txBox="1"/>
+          <p:nvPr/>
+        </p:nvSpPr>
+        <p:spPr>
+          <a:xfrm>
+            <a:off x="5840361" y="4679827"/>
+            <a:ext cx="6351639" cy="1200329"/>
+          </a:xfrm>
+          <a:prstGeom prst="rect">
+            <a:avLst/>
+          </a:prstGeom>
+          <a:noFill/>
+        </p:spPr>
+        <p:txBody>
+          <a:bodyPr wrap="square" rtlCol="0">
+            <a:spAutoFit/>
+          </a:bodyPr>
+          <a:lstStyle/>
+          <a:p>
+            <a:r>
+              <a:rPr lang="fr-FR" dirty="0">
+                <a:solidFill>
+                  <a:schemeClr val="bg1"/>
+                </a:solidFill>
+              </a:rPr>
+              <a:t>Apprentissages : </a:t>
+            </a:r>
+          </a:p>
+          <a:p>
+            <a:pPr marL="285750" indent="-285750">
+              <a:buFont typeface="Arial" panose="020B0604020202020204" pitchFamily="34" charset="0"/>
+              <a:buChar char="•"/>
+            </a:pPr>
+            <a:r>
+              <a:rPr lang="fr-FR" dirty="0">
+                <a:solidFill>
+                  <a:schemeClr val="bg1"/>
+                </a:solidFill>
+              </a:rPr>
+              <a:t>Utilisation de la bibliothèque </a:t>
+            </a:r>
+            <a:r>
+              <a:rPr lang="fr-FR" dirty="0" err="1">
+                <a:solidFill>
+                  <a:schemeClr val="bg1"/>
+                </a:solidFill>
+              </a:rPr>
+              <a:t>request</a:t>
+            </a:r>
+            <a:r>
+              <a:rPr lang="fr-FR" dirty="0">
+                <a:solidFill>
+                  <a:schemeClr val="bg1"/>
+                </a:solidFill>
+              </a:rPr>
+              <a:t> de python</a:t>
+            </a:r>
+          </a:p>
+          <a:p>
+            <a:pPr marL="285750" indent="-285750">
+              <a:buFont typeface="Arial" panose="020B0604020202020204" pitchFamily="34" charset="0"/>
+              <a:buChar char="•"/>
+            </a:pPr>
+            <a:r>
+              <a:rPr lang="fr-FR" dirty="0" err="1">
+                <a:solidFill>
+                  <a:schemeClr val="bg1"/>
+                </a:solidFill>
+              </a:rPr>
+              <a:t>FireBase</a:t>
+            </a:r>
+            <a:endParaRPr lang="fr-FR" dirty="0">
+              <a:solidFill>
+                <a:schemeClr val="bg1"/>
+              </a:solidFill>
+            </a:endParaRPr>
+          </a:p>
+          <a:p>
+            <a:pPr marL="285750" indent="-285750">
+              <a:buFont typeface="Arial" panose="020B0604020202020204" pitchFamily="34" charset="0"/>
+              <a:buChar char="•"/>
+            </a:pPr>
+            <a:r>
+              <a:rPr lang="fr-FR" dirty="0">
+                <a:solidFill>
+                  <a:schemeClr val="bg1"/>
+                </a:solidFill>
+              </a:rPr>
+              <a:t>Découverte des fonctions et de la POO</a:t>
+            </a:r>
           </a:p>
         </p:txBody>
       </p:sp>
@@ -4709,6 +5234,14 @@
 <file path=ppt/slides/slide13.xml><?xml version="1.0" encoding="utf-8"?>
 <p:sld xmlns:a="http://schemas.openxmlformats.org/drawingml/2006/main" xmlns:r="http://schemas.openxmlformats.org/officeDocument/2006/relationships" xmlns:p="http://schemas.openxmlformats.org/presentationml/2006/main">
   <p:cSld>
+    <p:bg>
+      <p:bgPr>
+        <a:solidFill>
+          <a:schemeClr val="tx1"/>
+        </a:solidFill>
+        <a:effectLst/>
+      </p:bgPr>
+    </p:bg>
     <p:spTree>
       <p:nvGrpSpPr>
         <p:cNvPr id="1" name=""/>
@@ -4725,51 +5258,208 @@
       </p:grpSpPr>
       <p:sp>
         <p:nvSpPr>
-          <p:cNvPr id="2" name="Titre 1">
-            <a:extLst>
-              <a:ext uri="{FF2B5EF4-FFF2-40B4-BE49-F238E27FC236}">
-                <a16:creationId xmlns:a16="http://schemas.microsoft.com/office/drawing/2014/main" id="{73612F31-F4C4-BFEA-55E6-F89F957AE7C1}"/>
-              </a:ext>
-            </a:extLst>
-          </p:cNvPr>
-          <p:cNvSpPr>
-            <a:spLocks noGrp="1"/>
-          </p:cNvSpPr>
-          <p:nvPr>
-            <p:ph type="title"/>
-          </p:nvPr>
-        </p:nvSpPr>
-        <p:spPr/>
-        <p:txBody>
-          <a:bodyPr/>
+          <p:cNvPr id="4" name="ZoneTexte 3">
+            <a:extLst>
+              <a:ext uri="{FF2B5EF4-FFF2-40B4-BE49-F238E27FC236}">
+                <a16:creationId xmlns:a16="http://schemas.microsoft.com/office/drawing/2014/main" id="{2266B265-956E-655E-F4BD-62A48258AA3A}"/>
+              </a:ext>
+            </a:extLst>
+          </p:cNvPr>
+          <p:cNvSpPr txBox="1"/>
+          <p:nvPr/>
+        </p:nvSpPr>
+        <p:spPr>
+          <a:xfrm>
+            <a:off x="648929" y="206477"/>
+            <a:ext cx="11395587" cy="723275"/>
+          </a:xfrm>
+          <a:prstGeom prst="rect">
+            <a:avLst/>
+          </a:prstGeom>
+          <a:noFill/>
+        </p:spPr>
+        <p:txBody>
+          <a:bodyPr wrap="square" rtlCol="0">
+            <a:spAutoFit/>
+          </a:bodyPr>
           <a:lstStyle/>
           <a:p>
-            <a:endParaRPr lang="fr-FR"/>
-          </a:p>
-        </p:txBody>
-      </p:sp>
-      <p:sp>
-        <p:nvSpPr>
-          <p:cNvPr id="3" name="Espace réservé du contenu 2">
-            <a:extLst>
-              <a:ext uri="{FF2B5EF4-FFF2-40B4-BE49-F238E27FC236}">
-                <a16:creationId xmlns:a16="http://schemas.microsoft.com/office/drawing/2014/main" id="{BB69FF42-2819-B1C0-F8F7-E578BF3CB960}"/>
-              </a:ext>
-            </a:extLst>
-          </p:cNvPr>
-          <p:cNvSpPr>
-            <a:spLocks noGrp="1"/>
-          </p:cNvSpPr>
-          <p:nvPr>
-            <p:ph idx="1"/>
-          </p:nvPr>
-        </p:nvSpPr>
-        <p:spPr/>
-        <p:txBody>
-          <a:bodyPr/>
+            <a:r>
+              <a:rPr lang="fr-FR" sz="4100" dirty="0">
+                <a:solidFill>
+                  <a:schemeClr val="bg1"/>
+                </a:solidFill>
+              </a:rPr>
+              <a:t>Défis et prochaines étapes :</a:t>
+            </a:r>
+          </a:p>
+        </p:txBody>
+      </p:sp>
+      <p:sp>
+        <p:nvSpPr>
+          <p:cNvPr id="5" name="ZoneTexte 4">
+            <a:extLst>
+              <a:ext uri="{FF2B5EF4-FFF2-40B4-BE49-F238E27FC236}">
+                <a16:creationId xmlns:a16="http://schemas.microsoft.com/office/drawing/2014/main" id="{C88BB91D-BBF0-CE13-ED1C-DF9D7E1AB7DF}"/>
+              </a:ext>
+            </a:extLst>
+          </p:cNvPr>
+          <p:cNvSpPr txBox="1"/>
+          <p:nvPr/>
+        </p:nvSpPr>
+        <p:spPr>
+          <a:xfrm>
+            <a:off x="2497392" y="1464679"/>
+            <a:ext cx="5987845" cy="1200329"/>
+          </a:xfrm>
+          <a:prstGeom prst="rect">
+            <a:avLst/>
+          </a:prstGeom>
+          <a:noFill/>
+        </p:spPr>
+        <p:txBody>
+          <a:bodyPr wrap="square" rtlCol="0">
+            <a:spAutoFit/>
+          </a:bodyPr>
           <a:lstStyle/>
           <a:p>
-            <a:endParaRPr lang="fr-FR"/>
+            <a:r>
+              <a:rPr lang="fr-FR" dirty="0">
+                <a:solidFill>
+                  <a:schemeClr val="bg1"/>
+                </a:solidFill>
+              </a:rPr>
+              <a:t>Difficultés :</a:t>
+            </a:r>
+          </a:p>
+          <a:p>
+            <a:pPr marL="285750" indent="-285750">
+              <a:buFont typeface="Arial" panose="020B0604020202020204" pitchFamily="34" charset="0"/>
+              <a:buChar char="•"/>
+            </a:pPr>
+            <a:r>
+              <a:rPr lang="fr-FR" dirty="0">
+                <a:solidFill>
+                  <a:schemeClr val="bg1"/>
+                </a:solidFill>
+              </a:rPr>
+              <a:t>Pas de difficulté particulière à part les API et base de données</a:t>
+            </a:r>
+          </a:p>
+          <a:p>
+            <a:endParaRPr lang="fr-FR" dirty="0"/>
+          </a:p>
+        </p:txBody>
+      </p:sp>
+      <p:sp>
+        <p:nvSpPr>
+          <p:cNvPr id="6" name="ZoneTexte 5">
+            <a:extLst>
+              <a:ext uri="{FF2B5EF4-FFF2-40B4-BE49-F238E27FC236}">
+                <a16:creationId xmlns:a16="http://schemas.microsoft.com/office/drawing/2014/main" id="{2656A629-2E48-F378-23D5-CB456C4430A9}"/>
+              </a:ext>
+            </a:extLst>
+          </p:cNvPr>
+          <p:cNvSpPr txBox="1"/>
+          <p:nvPr/>
+        </p:nvSpPr>
+        <p:spPr>
+          <a:xfrm>
+            <a:off x="2497392" y="2979174"/>
+            <a:ext cx="7698658" cy="2862322"/>
+          </a:xfrm>
+          <a:prstGeom prst="rect">
+            <a:avLst/>
+          </a:prstGeom>
+          <a:noFill/>
+        </p:spPr>
+        <p:txBody>
+          <a:bodyPr wrap="square" rtlCol="0">
+            <a:spAutoFit/>
+          </a:bodyPr>
+          <a:lstStyle/>
+          <a:p>
+            <a:r>
+              <a:rPr lang="fr-FR" dirty="0">
+                <a:solidFill>
+                  <a:schemeClr val="bg1"/>
+                </a:solidFill>
+              </a:rPr>
+              <a:t>Les prochaines étapes :</a:t>
+            </a:r>
+          </a:p>
+          <a:p>
+            <a:pPr marL="285750" indent="-285750">
+              <a:buFont typeface="Arial" panose="020B0604020202020204" pitchFamily="34" charset="0"/>
+              <a:buChar char="•"/>
+            </a:pPr>
+            <a:r>
+              <a:rPr lang="fr-FR" dirty="0">
+                <a:solidFill>
+                  <a:schemeClr val="bg1"/>
+                </a:solidFill>
+              </a:rPr>
+              <a:t>Ajout d’une Api radar (peu importe si elle fonctionne bien ou non)</a:t>
+            </a:r>
+          </a:p>
+          <a:p>
+            <a:pPr marL="285750" indent="-285750">
+              <a:buFont typeface="Arial" panose="020B0604020202020204" pitchFamily="34" charset="0"/>
+              <a:buChar char="•"/>
+            </a:pPr>
+            <a:r>
+              <a:rPr lang="fr-FR" dirty="0">
+                <a:solidFill>
+                  <a:schemeClr val="bg1"/>
+                </a:solidFill>
+              </a:rPr>
+              <a:t>Finitions (par exemple : page qui ne se ferme pas, pas de message de confirmation, ce qui peut rendre l’application moins intuitive, petites failles de sécurité au niveau des adresses mails)</a:t>
+            </a:r>
+          </a:p>
+          <a:p>
+            <a:endParaRPr lang="fr-FR" dirty="0">
+              <a:solidFill>
+                <a:schemeClr val="bg1"/>
+              </a:solidFill>
+            </a:endParaRPr>
+          </a:p>
+          <a:p>
+            <a:r>
+              <a:rPr lang="fr-FR" dirty="0">
+                <a:solidFill>
+                  <a:schemeClr val="bg1"/>
+                </a:solidFill>
+              </a:rPr>
+              <a:t>Les développements futurs possibles :</a:t>
+            </a:r>
+          </a:p>
+          <a:p>
+            <a:pPr marL="285750" indent="-285750">
+              <a:buFont typeface="Arial" panose="020B0604020202020204" pitchFamily="34" charset="0"/>
+              <a:buChar char="•"/>
+            </a:pPr>
+            <a:r>
+              <a:rPr lang="fr-FR" dirty="0">
+                <a:solidFill>
+                  <a:schemeClr val="bg1"/>
+                </a:solidFill>
+              </a:rPr>
+              <a:t>Ajout de fonctionnalités comme la modification de son compte</a:t>
+            </a:r>
+          </a:p>
+          <a:p>
+            <a:pPr marL="285750" indent="-285750">
+              <a:buFont typeface="Arial" panose="020B0604020202020204" pitchFamily="34" charset="0"/>
+              <a:buChar char="•"/>
+            </a:pPr>
+            <a:r>
+              <a:rPr lang="fr-FR" dirty="0">
+                <a:solidFill>
+                  <a:schemeClr val="bg1"/>
+                </a:solidFill>
+              </a:rPr>
+              <a:t>Certaines API de radar donnent la position en temps réelle des avions, donc essayer d’afficher sur la carte l’avion qu’on a sélectionné</a:t>
+            </a:r>
           </a:p>
         </p:txBody>
       </p:sp>
@@ -4813,6 +5503,463 @@
       </p:grpSpPr>
       <p:sp>
         <p:nvSpPr>
+          <p:cNvPr id="4" name="ZoneTexte 3">
+            <a:extLst>
+              <a:ext uri="{FF2B5EF4-FFF2-40B4-BE49-F238E27FC236}">
+                <a16:creationId xmlns:a16="http://schemas.microsoft.com/office/drawing/2014/main" id="{DDCC33A8-7B49-A2BB-08FC-DFAF201420AA}"/>
+              </a:ext>
+            </a:extLst>
+          </p:cNvPr>
+          <p:cNvSpPr txBox="1"/>
+          <p:nvPr/>
+        </p:nvSpPr>
+        <p:spPr>
+          <a:xfrm>
+            <a:off x="193040" y="182880"/>
+            <a:ext cx="10596880" cy="723275"/>
+          </a:xfrm>
+          <a:prstGeom prst="rect">
+            <a:avLst/>
+          </a:prstGeom>
+          <a:noFill/>
+        </p:spPr>
+        <p:txBody>
+          <a:bodyPr wrap="square" rtlCol="0">
+            <a:spAutoFit/>
+          </a:bodyPr>
+          <a:lstStyle/>
+          <a:p>
+            <a:r>
+              <a:rPr lang="fr-FR" sz="4100" dirty="0">
+                <a:solidFill>
+                  <a:schemeClr val="bg1"/>
+                </a:solidFill>
+              </a:rPr>
+              <a:t>Bibliographie : </a:t>
+            </a:r>
+          </a:p>
+        </p:txBody>
+      </p:sp>
+      <p:sp>
+        <p:nvSpPr>
+          <p:cNvPr id="5" name="ZoneTexte 4">
+            <a:extLst>
+              <a:ext uri="{FF2B5EF4-FFF2-40B4-BE49-F238E27FC236}">
+                <a16:creationId xmlns:a16="http://schemas.microsoft.com/office/drawing/2014/main" id="{10C735A0-C5A7-1DFB-D972-FCFBF68C0E72}"/>
+              </a:ext>
+            </a:extLst>
+          </p:cNvPr>
+          <p:cNvSpPr txBox="1"/>
+          <p:nvPr/>
+        </p:nvSpPr>
+        <p:spPr>
+          <a:xfrm>
+            <a:off x="497840" y="1381760"/>
+            <a:ext cx="7000240" cy="4801314"/>
+          </a:xfrm>
+          <a:prstGeom prst="rect">
+            <a:avLst/>
+          </a:prstGeom>
+          <a:noFill/>
+        </p:spPr>
+        <p:txBody>
+          <a:bodyPr wrap="square" rtlCol="0">
+            <a:spAutoFit/>
+          </a:bodyPr>
+          <a:lstStyle/>
+          <a:p>
+            <a:r>
+              <a:rPr lang="fr-FR" dirty="0">
+                <a:solidFill>
+                  <a:schemeClr val="bg1"/>
+                </a:solidFill>
+              </a:rPr>
+              <a:t>Bibliothèque python :</a:t>
+            </a:r>
+          </a:p>
+          <a:p>
+            <a:endParaRPr lang="fr-FR" dirty="0">
+              <a:solidFill>
+                <a:schemeClr val="bg1"/>
+              </a:solidFill>
+            </a:endParaRPr>
+          </a:p>
+          <a:p>
+            <a:pPr marL="285750" indent="-285750">
+              <a:buFont typeface="Arial" panose="020B0604020202020204" pitchFamily="34" charset="0"/>
+              <a:buChar char="•"/>
+            </a:pPr>
+            <a:r>
+              <a:rPr lang="fr-FR" dirty="0">
+                <a:solidFill>
+                  <a:schemeClr val="bg1"/>
+                </a:solidFill>
+              </a:rPr>
+              <a:t>PyQT5 version 5.15.9</a:t>
+            </a:r>
+          </a:p>
+          <a:p>
+            <a:r>
+              <a:rPr lang="fr-FR" dirty="0">
+                <a:solidFill>
+                  <a:schemeClr val="bg1"/>
+                </a:solidFill>
+                <a:sym typeface="Wingdings" panose="05000000000000000000" pitchFamily="2" charset="2"/>
+              </a:rPr>
+              <a:t>	 partie graphique</a:t>
+            </a:r>
+            <a:endParaRPr lang="fr-FR" dirty="0">
+              <a:solidFill>
+                <a:schemeClr val="bg1"/>
+              </a:solidFill>
+            </a:endParaRPr>
+          </a:p>
+          <a:p>
+            <a:pPr marL="285750" indent="-285750">
+              <a:buFont typeface="Arial" panose="020B0604020202020204" pitchFamily="34" charset="0"/>
+              <a:buChar char="•"/>
+            </a:pPr>
+            <a:r>
+              <a:rPr lang="fr-FR" dirty="0">
+                <a:solidFill>
+                  <a:schemeClr val="bg1"/>
+                </a:solidFill>
+              </a:rPr>
+              <a:t>Win32com  version 308</a:t>
+            </a:r>
+          </a:p>
+          <a:p>
+            <a:r>
+              <a:rPr lang="fr-FR" dirty="0">
+                <a:solidFill>
+                  <a:schemeClr val="bg1"/>
+                </a:solidFill>
+              </a:rPr>
+              <a:t>	</a:t>
+            </a:r>
+            <a:r>
+              <a:rPr lang="fr-FR" dirty="0">
+                <a:solidFill>
+                  <a:schemeClr val="bg1"/>
+                </a:solidFill>
+                <a:sym typeface="Wingdings" panose="05000000000000000000" pitchFamily="2" charset="2"/>
+              </a:rPr>
+              <a:t> envoie de mail</a:t>
+            </a:r>
+            <a:endParaRPr lang="fr-FR" dirty="0">
+              <a:solidFill>
+                <a:schemeClr val="bg1"/>
+              </a:solidFill>
+            </a:endParaRPr>
+          </a:p>
+          <a:p>
+            <a:pPr marL="285750" indent="-285750">
+              <a:buFont typeface="Arial" panose="020B0604020202020204" pitchFamily="34" charset="0"/>
+              <a:buChar char="•"/>
+            </a:pPr>
+            <a:r>
+              <a:rPr lang="fr-FR" dirty="0">
+                <a:solidFill>
+                  <a:schemeClr val="bg1"/>
+                </a:solidFill>
+              </a:rPr>
+              <a:t>Os version 23.0.0</a:t>
+            </a:r>
+          </a:p>
+          <a:p>
+            <a:r>
+              <a:rPr lang="fr-FR" dirty="0">
+                <a:solidFill>
+                  <a:schemeClr val="bg1"/>
+                </a:solidFill>
+                <a:sym typeface="Wingdings" panose="05000000000000000000" pitchFamily="2" charset="2"/>
+              </a:rPr>
+              <a:t>	 permet d’obtenir les chemins d’accès des fichiers pour 	      une meilleur gestion de l’arborescence des fichiers </a:t>
+            </a:r>
+            <a:endParaRPr lang="fr-FR" dirty="0">
+              <a:solidFill>
+                <a:schemeClr val="bg1"/>
+              </a:solidFill>
+            </a:endParaRPr>
+          </a:p>
+          <a:p>
+            <a:pPr marL="285750" indent="-285750">
+              <a:buFont typeface="Arial" panose="020B0604020202020204" pitchFamily="34" charset="0"/>
+              <a:buChar char="•"/>
+            </a:pPr>
+            <a:r>
+              <a:rPr lang="fr-FR" dirty="0" err="1">
+                <a:solidFill>
+                  <a:schemeClr val="bg1"/>
+                </a:solidFill>
+              </a:rPr>
+              <a:t>Hashlib</a:t>
+            </a:r>
+            <a:r>
+              <a:rPr lang="fr-FR" dirty="0">
+                <a:solidFill>
+                  <a:schemeClr val="bg1"/>
+                </a:solidFill>
+              </a:rPr>
+              <a:t> version 1.24.0</a:t>
+            </a:r>
+          </a:p>
+          <a:p>
+            <a:r>
+              <a:rPr lang="fr-FR" dirty="0">
+                <a:solidFill>
+                  <a:schemeClr val="bg1"/>
+                </a:solidFill>
+                <a:sym typeface="Wingdings" panose="05000000000000000000" pitchFamily="2" charset="2"/>
+              </a:rPr>
+              <a:t>	 permet de hacher le mot de passe et donc se sécuriser 	      les données </a:t>
+            </a:r>
+            <a:endParaRPr lang="fr-FR" dirty="0">
+              <a:solidFill>
+                <a:schemeClr val="bg1"/>
+              </a:solidFill>
+            </a:endParaRPr>
+          </a:p>
+          <a:p>
+            <a:pPr marL="285750" indent="-285750">
+              <a:buFont typeface="Arial" panose="020B0604020202020204" pitchFamily="34" charset="0"/>
+              <a:buChar char="•"/>
+            </a:pPr>
+            <a:r>
+              <a:rPr lang="fr-FR" dirty="0" err="1">
+                <a:solidFill>
+                  <a:schemeClr val="bg1"/>
+                </a:solidFill>
+              </a:rPr>
+              <a:t>Firebase_admin</a:t>
+            </a:r>
+            <a:r>
+              <a:rPr lang="fr-FR" dirty="0">
+                <a:solidFill>
+                  <a:schemeClr val="bg1"/>
+                </a:solidFill>
+              </a:rPr>
+              <a:t> version 6.6.0</a:t>
+            </a:r>
+          </a:p>
+          <a:p>
+            <a:r>
+              <a:rPr lang="fr-FR" dirty="0">
+                <a:solidFill>
+                  <a:schemeClr val="bg1"/>
+                </a:solidFill>
+                <a:sym typeface="Wingdings" panose="05000000000000000000" pitchFamily="2" charset="2"/>
+              </a:rPr>
+              <a:t>	 permet de communiquer avec la base de données </a:t>
+            </a:r>
+            <a:endParaRPr lang="fr-FR" dirty="0">
+              <a:solidFill>
+                <a:schemeClr val="bg1"/>
+              </a:solidFill>
+            </a:endParaRPr>
+          </a:p>
+          <a:p>
+            <a:pPr marL="285750" indent="-285750">
+              <a:buFont typeface="Arial" panose="020B0604020202020204" pitchFamily="34" charset="0"/>
+              <a:buChar char="•"/>
+            </a:pPr>
+            <a:endParaRPr lang="fr-FR" dirty="0">
+              <a:solidFill>
+                <a:schemeClr val="bg1"/>
+              </a:solidFill>
+            </a:endParaRPr>
+          </a:p>
+          <a:p>
+            <a:pPr marL="285750" indent="-285750">
+              <a:buFont typeface="Arial" panose="020B0604020202020204" pitchFamily="34" charset="0"/>
+              <a:buChar char="•"/>
+            </a:pPr>
+            <a:endParaRPr lang="fr-FR" dirty="0">
+              <a:solidFill>
+                <a:schemeClr val="bg1"/>
+              </a:solidFill>
+            </a:endParaRPr>
+          </a:p>
+          <a:p>
+            <a:pPr marL="285750" indent="-285750">
+              <a:buFont typeface="Arial" panose="020B0604020202020204" pitchFamily="34" charset="0"/>
+              <a:buChar char="•"/>
+            </a:pPr>
+            <a:endParaRPr lang="fr-FR" dirty="0"/>
+          </a:p>
+        </p:txBody>
+      </p:sp>
+      <p:sp>
+        <p:nvSpPr>
+          <p:cNvPr id="6" name="ZoneTexte 5">
+            <a:extLst>
+              <a:ext uri="{FF2B5EF4-FFF2-40B4-BE49-F238E27FC236}">
+                <a16:creationId xmlns:a16="http://schemas.microsoft.com/office/drawing/2014/main" id="{8B5B0617-10B8-4452-CDCE-C603963D140A}"/>
+              </a:ext>
+            </a:extLst>
+          </p:cNvPr>
+          <p:cNvSpPr txBox="1"/>
+          <p:nvPr/>
+        </p:nvSpPr>
+        <p:spPr>
+          <a:xfrm>
+            <a:off x="7660640" y="1381760"/>
+            <a:ext cx="4196080" cy="2031325"/>
+          </a:xfrm>
+          <a:prstGeom prst="rect">
+            <a:avLst/>
+          </a:prstGeom>
+          <a:noFill/>
+        </p:spPr>
+        <p:txBody>
+          <a:bodyPr wrap="square" rtlCol="0">
+            <a:spAutoFit/>
+          </a:bodyPr>
+          <a:lstStyle/>
+          <a:p>
+            <a:r>
+              <a:rPr lang="fr-FR" dirty="0">
+                <a:solidFill>
+                  <a:schemeClr val="bg1"/>
+                </a:solidFill>
+              </a:rPr>
+              <a:t>Sources externes :</a:t>
+            </a:r>
+          </a:p>
+          <a:p>
+            <a:endParaRPr lang="fr-FR" dirty="0">
+              <a:solidFill>
+                <a:schemeClr val="bg1"/>
+              </a:solidFill>
+            </a:endParaRPr>
+          </a:p>
+          <a:p>
+            <a:pPr marL="285750" indent="-285750">
+              <a:buFont typeface="Arial" panose="020B0604020202020204" pitchFamily="34" charset="0"/>
+              <a:buChar char="•"/>
+            </a:pPr>
+            <a:r>
+              <a:rPr lang="fr-FR" dirty="0" err="1">
+                <a:solidFill>
+                  <a:schemeClr val="bg1"/>
+                </a:solidFill>
+              </a:rPr>
+              <a:t>Youtube</a:t>
+            </a:r>
+            <a:endParaRPr lang="fr-FR" dirty="0">
+              <a:solidFill>
+                <a:schemeClr val="bg1"/>
+              </a:solidFill>
+            </a:endParaRPr>
+          </a:p>
+          <a:p>
+            <a:pPr marL="285750" indent="-285750">
+              <a:buFont typeface="Arial" panose="020B0604020202020204" pitchFamily="34" charset="0"/>
+              <a:buChar char="•"/>
+            </a:pPr>
+            <a:r>
+              <a:rPr lang="fr-FR" dirty="0" err="1">
+                <a:solidFill>
+                  <a:schemeClr val="bg1"/>
+                </a:solidFill>
+              </a:rPr>
+              <a:t>FireBase</a:t>
+            </a:r>
+            <a:endParaRPr lang="fr-FR" dirty="0">
+              <a:solidFill>
+                <a:schemeClr val="bg1"/>
+              </a:solidFill>
+            </a:endParaRPr>
+          </a:p>
+          <a:p>
+            <a:pPr marL="285750" indent="-285750">
+              <a:buFont typeface="Arial" panose="020B0604020202020204" pitchFamily="34" charset="0"/>
+              <a:buChar char="•"/>
+            </a:pPr>
+            <a:r>
+              <a:rPr lang="fr-FR" dirty="0">
+                <a:solidFill>
+                  <a:schemeClr val="bg1"/>
+                </a:solidFill>
+              </a:rPr>
+              <a:t>Aviation Stack</a:t>
+            </a:r>
+          </a:p>
+          <a:p>
+            <a:pPr marL="285750" indent="-285750">
+              <a:buFont typeface="Arial" panose="020B0604020202020204" pitchFamily="34" charset="0"/>
+              <a:buChar char="•"/>
+            </a:pPr>
+            <a:r>
+              <a:rPr lang="fr-FR" dirty="0" err="1">
+                <a:solidFill>
+                  <a:schemeClr val="bg1"/>
+                </a:solidFill>
+              </a:rPr>
+              <a:t>OpenFly</a:t>
+            </a:r>
+            <a:endParaRPr lang="fr-FR" dirty="0">
+              <a:solidFill>
+                <a:schemeClr val="bg1"/>
+              </a:solidFill>
+            </a:endParaRPr>
+          </a:p>
+          <a:p>
+            <a:pPr marL="285750" indent="-285750">
+              <a:buFont typeface="Arial" panose="020B0604020202020204" pitchFamily="34" charset="0"/>
+              <a:buChar char="•"/>
+            </a:pPr>
+            <a:r>
+              <a:rPr lang="fr-FR" dirty="0">
+                <a:solidFill>
+                  <a:schemeClr val="bg1"/>
+                </a:solidFill>
+              </a:rPr>
+              <a:t>Documentation PyQt5</a:t>
+            </a:r>
+          </a:p>
+        </p:txBody>
+      </p:sp>
+    </p:spTree>
+    <p:extLst>
+      <p:ext uri="{BB962C8B-B14F-4D97-AF65-F5344CB8AC3E}">
+        <p14:creationId xmlns:p14="http://schemas.microsoft.com/office/powerpoint/2010/main" val="3101569290"/>
+      </p:ext>
+    </p:extLst>
+  </p:cSld>
+  <p:clrMapOvr>
+    <a:masterClrMapping/>
+  </p:clrMapOvr>
+</p:sld>
+</file>
+
+<file path=ppt/slides/slide15.xml><?xml version="1.0" encoding="utf-8"?>
+<p:sld xmlns:a="http://schemas.openxmlformats.org/drawingml/2006/main" xmlns:r="http://schemas.openxmlformats.org/officeDocument/2006/relationships" xmlns:p="http://schemas.openxmlformats.org/presentationml/2006/main">
+  <p:cSld>
+    <p:bg>
+      <p:bgPr>
+        <a:solidFill>
+          <a:schemeClr val="tx1"/>
+        </a:solidFill>
+        <a:effectLst/>
+      </p:bgPr>
+    </p:bg>
+    <p:spTree>
+      <p:nvGrpSpPr>
+        <p:cNvPr id="1" name=""/>
+        <p:cNvGrpSpPr/>
+        <p:nvPr/>
+      </p:nvGrpSpPr>
+      <p:grpSpPr>
+        <a:xfrm>
+          <a:off x="0" y="0"/>
+          <a:ext cx="0" cy="0"/>
+          <a:chOff x="0" y="0"/>
+          <a:chExt cx="0" cy="0"/>
+        </a:xfrm>
+      </p:grpSpPr>
+      <p:sp>
+        <p:nvSpPr>
           <p:cNvPr id="2" name="Titre 1">
             <a:extLst>
               <a:ext uri="{FF2B5EF4-FFF2-40B4-BE49-F238E27FC236}">
@@ -5348,13 +6495,13 @@
               </a:spcAft>
             </a:pPr>
             <a:r>
-              <a:rPr lang="fr-FR">
+              <a:rPr lang="fr-FR" dirty="0">
                 <a:ea typeface="+mn-lt"/>
                 <a:cs typeface="+mn-lt"/>
               </a:rPr>
               <a:t>Objectifs : </a:t>
             </a:r>
-            <a:endParaRPr lang="fr-FR"/>
+            <a:endParaRPr lang="fr-FR" dirty="0"/>
           </a:p>
           <a:p>
             <a:pPr marL="285750" indent="-285750">
@@ -5365,12 +6512,23 @@
               <a:buChar char="-"/>
             </a:pPr>
             <a:r>
-              <a:rPr lang="fr-FR">
+              <a:rPr lang="fr-FR" dirty="0">
                 <a:ea typeface="+mn-lt"/>
                 <a:cs typeface="+mn-lt"/>
               </a:rPr>
-              <a:t> Apprendre à utiliser la bibliothèque PyQT5 et QtDesingner</a:t>
-            </a:r>
+              <a:t> Apprendre à utiliser la bibliothèque PyQT5 et </a:t>
+            </a:r>
+            <a:r>
+              <a:rPr lang="fr-FR" dirty="0" err="1">
+                <a:ea typeface="+mn-lt"/>
+                <a:cs typeface="+mn-lt"/>
+              </a:rPr>
+              <a:t>QtDesigner</a:t>
+            </a:r>
+            <a:endParaRPr lang="fr-FR" dirty="0">
+              <a:ea typeface="+mn-lt"/>
+              <a:cs typeface="+mn-lt"/>
+            </a:endParaRPr>
           </a:p>
           <a:p>
             <a:pPr marL="285750" indent="-285750">
@@ -5381,14 +6539,14 @@
               <a:buChar char="-"/>
             </a:pPr>
             <a:r>
-              <a:rPr lang="fr-FR"/>
+              <a:rPr lang="fr-FR" dirty="0"/>
               <a:t>Apprendre et utiliser une base de données NoSQL en ligne en temps réelle grâce à </a:t>
             </a:r>
             <a:r>
-              <a:rPr lang="fr-FR" err="1"/>
+              <a:rPr lang="fr-FR" dirty="0" err="1"/>
               <a:t>FireBase</a:t>
             </a:r>
-            <a:endParaRPr lang="fr-FR"/>
+            <a:endParaRPr lang="fr-FR" dirty="0"/>
           </a:p>
           <a:p>
             <a:pPr marL="285750" indent="-285750">
@@ -5399,15 +6557,15 @@
               <a:buChar char="-"/>
             </a:pPr>
             <a:r>
-              <a:rPr lang="fr-FR"/>
+              <a:rPr lang="fr-FR" dirty="0"/>
               <a:t>Apprendre à utiliser une API via la bibliothèque </a:t>
             </a:r>
             <a:r>
-              <a:rPr lang="fr-FR" err="1"/>
+              <a:rPr lang="fr-FR" dirty="0" err="1"/>
               <a:t>request</a:t>
             </a:r>
             <a:r>
-              <a:rPr lang="fr-FR"/>
+              <a:rPr lang="fr-FR" dirty="0"/>
               <a:t> de python</a:t>
             </a:r>
           </a:p>
@@ -5420,15 +6578,15 @@
               <a:buChar char="-"/>
             </a:pPr>
             <a:r>
-              <a:rPr lang="fr-FR"/>
+              <a:rPr lang="fr-FR" dirty="0"/>
               <a:t>Apprendre à envoyer des mails, générer des </a:t>
             </a:r>
             <a:r>
-              <a:rPr lang="fr-FR" err="1"/>
+              <a:rPr lang="fr-FR" dirty="0" err="1"/>
               <a:t>pdf</a:t>
             </a:r>
             <a:r>
-              <a:rPr lang="fr-FR"/>
+              <a:rPr lang="fr-FR" dirty="0"/>
               <a:t> grâce à python via les bibliothèques win32com</a:t>
             </a:r>
           </a:p>
@@ -5438,7 +6596,7 @@
                 <a:spcPts val="600"/>
               </a:spcAft>
             </a:pPr>
-            <a:endParaRPr lang="fr-FR"/>
+            <a:endParaRPr lang="fr-FR" dirty="0"/>
           </a:p>
           <a:p>
             <a:pPr marL="285750" indent="-285750">
@@ -5448,7 +6606,7 @@
               <a:buFont typeface="Calibri"/>
               <a:buChar char="-"/>
             </a:pPr>
-            <a:endParaRPr lang="fr-FR"/>
+            <a:endParaRPr lang="fr-FR" dirty="0"/>
           </a:p>
           <a:p>
             <a:pPr marL="285750" indent="-285750">
@@ -5458,7 +6616,7 @@
               <a:buFont typeface="Calibri"/>
               <a:buChar char="-"/>
             </a:pPr>
-            <a:endParaRPr lang="fr-FR"/>
+            <a:endParaRPr lang="fr-FR" dirty="0"/>
           </a:p>
         </p:txBody>
       </p:sp>
@@ -6067,6 +7225,115 @@
           </a:p>
         </p:txBody>
       </p:sp>
+      <p:pic>
+        <p:nvPicPr>
+          <p:cNvPr id="6" name="Image 5">
+            <a:extLst>
+              <a:ext uri="{FF2B5EF4-FFF2-40B4-BE49-F238E27FC236}">
+                <a16:creationId xmlns:a16="http://schemas.microsoft.com/office/drawing/2014/main" id="{7232B1DF-6526-57E8-6310-3B59926C9FD1}"/>
+              </a:ext>
+            </a:extLst>
+          </p:cNvPr>
+          <p:cNvPicPr>
+            <a:picLocks noChangeAspect="1"/>
+          </p:cNvPicPr>
+          <p:nvPr/>
+        </p:nvPicPr>
+        <p:blipFill>
+          <a:blip r:embed="rId7"/>
+          <a:stretch>
+            <a:fillRect/>
+          </a:stretch>
+        </p:blipFill>
+        <p:spPr>
+          <a:xfrm>
+            <a:off x="2919043" y="4173377"/>
+            <a:ext cx="1950461" cy="1871871"/>
+          </a:xfrm>
+          <a:prstGeom prst="rect">
+            <a:avLst/>
+          </a:prstGeom>
+        </p:spPr>
+      </p:pic>
+      <p:sp>
+        <p:nvSpPr>
+          <p:cNvPr id="7" name="ZoneTexte 6">
+            <a:extLst>
+              <a:ext uri="{FF2B5EF4-FFF2-40B4-BE49-F238E27FC236}">
+                <a16:creationId xmlns:a16="http://schemas.microsoft.com/office/drawing/2014/main" id="{1C0F629A-9512-C2B3-FA40-141474F8813C}"/>
+              </a:ext>
+            </a:extLst>
+          </p:cNvPr>
+          <p:cNvSpPr txBox="1"/>
+          <p:nvPr/>
+        </p:nvSpPr>
+        <p:spPr>
+          <a:xfrm>
+            <a:off x="2919043" y="6045248"/>
+            <a:ext cx="1925391" cy="461665"/>
+          </a:xfrm>
+          <a:prstGeom prst="rect">
+            <a:avLst/>
+          </a:prstGeom>
+          <a:noFill/>
+        </p:spPr>
+        <p:txBody>
+          <a:bodyPr wrap="square" rtlCol="0">
+            <a:spAutoFit/>
+          </a:bodyPr>
+          <a:lstStyle/>
+          <a:p>
+            <a:pPr algn="ctr"/>
+            <a:r>
+              <a:rPr lang="fr-FR" sz="1200" dirty="0">
+                <a:solidFill>
+                  <a:schemeClr val="bg1"/>
+                </a:solidFill>
+              </a:rPr>
+              <a:t>Page  de création d’un compte</a:t>
+            </a:r>
+          </a:p>
+        </p:txBody>
+      </p:sp>
+      <p:cxnSp>
+        <p:nvCxnSpPr>
+          <p:cNvPr id="13" name="Connecteur droit avec flèche 12">
+            <a:extLst>
+              <a:ext uri="{FF2B5EF4-FFF2-40B4-BE49-F238E27FC236}">
+                <a16:creationId xmlns:a16="http://schemas.microsoft.com/office/drawing/2014/main" id="{42183B3A-6DD1-B81A-C304-C86A89F12F27}"/>
+              </a:ext>
+            </a:extLst>
+          </p:cNvPr>
+          <p:cNvCxnSpPr/>
+          <p:nvPr/>
+        </p:nvCxnSpPr>
+        <p:spPr>
+          <a:xfrm flipH="1">
+            <a:off x="4074160" y="1838632"/>
+            <a:ext cx="1067381" cy="2440325"/>
+          </a:xfrm>
+          <a:prstGeom prst="straightConnector1">
+            <a:avLst/>
+          </a:prstGeom>
+          <a:ln>
+            <a:tailEnd type="triangle"/>
+          </a:ln>
+        </p:spPr>
+        <p:style>
+          <a:lnRef idx="2">
+            <a:schemeClr val="accent1"/>
+          </a:lnRef>
+          <a:fillRef idx="0">
+            <a:schemeClr val="accent1"/>
+          </a:fillRef>
+          <a:effectRef idx="1">
+            <a:schemeClr val="accent1"/>
+          </a:effectRef>
+          <a:fontRef idx="minor">
+            <a:schemeClr val="tx1"/>
+          </a:fontRef>
+        </p:style>
+      </p:cxnSp>
     </p:spTree>
     <p:extLst>
       <p:ext uri="{BB962C8B-B14F-4D97-AF65-F5344CB8AC3E}">
@@ -7372,6 +8639,14 @@
 <file path=ppt/slides/slide6.xml><?xml version="1.0" encoding="utf-8"?>
 <p:sld xmlns:a="http://schemas.openxmlformats.org/drawingml/2006/main" xmlns:r="http://schemas.openxmlformats.org/officeDocument/2006/relationships" xmlns:p="http://schemas.openxmlformats.org/presentationml/2006/main">
   <p:cSld>
+    <p:bg>
+      <p:bgPr>
+        <a:solidFill>
+          <a:schemeClr val="bg1"/>
+        </a:solidFill>
+        <a:effectLst/>
+      </p:bgPr>
+    </p:bg>
     <p:spTree>
       <p:nvGrpSpPr>
         <p:cNvPr id="1" name=""/>
@@ -7388,45 +8663,80 @@
       </p:grpSpPr>
       <p:sp>
         <p:nvSpPr>
-          <p:cNvPr id="4" name="ZoneTexte 3">
-            <a:extLst>
-              <a:ext uri="{FF2B5EF4-FFF2-40B4-BE49-F238E27FC236}">
-                <a16:creationId xmlns:a16="http://schemas.microsoft.com/office/drawing/2014/main" id="{18FD00B4-CC98-C48C-C43B-6082999B25C3}"/>
-              </a:ext>
-            </a:extLst>
-          </p:cNvPr>
-          <p:cNvSpPr txBox="1"/>
-          <p:nvPr/>
-        </p:nvSpPr>
-        <p:spPr>
-          <a:xfrm>
-            <a:off x="402771" y="0"/>
-            <a:ext cx="10755086" cy="369332"/>
+          <p:cNvPr id="12" name="Rectangle 11">
+            <a:extLst>
+              <a:ext uri="{FF2B5EF4-FFF2-40B4-BE49-F238E27FC236}">
+                <a16:creationId xmlns:a16="http://schemas.microsoft.com/office/drawing/2014/main" id="{A7AE9375-4664-4DB2-922D-2782A6E439AC}"/>
+              </a:ext>
+              <a:ext uri="{C183D7F6-B498-43B3-948B-1728B52AA6E4}">
+                <adec:decorative xmlns:adec="http://schemas.microsoft.com/office/drawing/2017/decorative" val="1"/>
+              </a:ext>
+            </a:extLst>
+          </p:cNvPr>
+          <p:cNvSpPr>
+            <a:spLocks noGrp="1" noRot="1" noChangeAspect="1" noMove="1" noResize="1" noEditPoints="1" noAdjustHandles="1" noChangeArrowheads="1" noChangeShapeType="1" noTextEdit="1"/>
+          </p:cNvSpPr>
+          <p:nvPr>
+            <p:extLst>
+              <p:ext uri="{386F3935-93C4-4BCD-93E2-E3B085C9AB24}">
+                <p16:designElem xmlns:p16="http://schemas.microsoft.com/office/powerpoint/2015/main" val="1"/>
+              </p:ext>
+            </p:extLst>
+          </p:nvPr>
+        </p:nvSpPr>
+        <p:spPr>
+          <a:xfrm>
+            <a:off x="-1" y="0"/>
+            <a:ext cx="12192000" cy="6858000"/>
           </a:xfrm>
           <a:prstGeom prst="rect">
             <a:avLst/>
           </a:prstGeom>
-          <a:noFill/>
-        </p:spPr>
-        <p:txBody>
-          <a:bodyPr wrap="square" rtlCol="0">
-            <a:spAutoFit/>
-          </a:bodyPr>
+          <a:solidFill>
+            <a:schemeClr val="tx1">
+              <a:lumMod val="95000"/>
+              <a:lumOff val="5000"/>
+            </a:schemeClr>
+          </a:solidFill>
+          <a:ln>
+            <a:noFill/>
+          </a:ln>
+        </p:spPr>
+        <p:style>
+          <a:lnRef idx="2">
+            <a:schemeClr val="accent1">
+              <a:shade val="50000"/>
+            </a:schemeClr>
+          </a:lnRef>
+          <a:fillRef idx="1">
+            <a:schemeClr val="accent1"/>
+          </a:fillRef>
+          <a:effectRef idx="0">
+            <a:schemeClr val="accent1"/>
+          </a:effectRef>
+          <a:fontRef idx="minor">
+            <a:schemeClr val="lt1"/>
+          </a:fontRef>
+        </p:style>
+        <p:txBody>
+          <a:bodyPr rtlCol="0" anchor="ctr"/>
           <a:lstStyle/>
           <a:p>
-            <a:r>
-              <a:rPr lang="fr-FR" dirty="0"/>
-              <a:t>Description de la page de création compte :</a:t>
-            </a:r>
-          </a:p>
-        </p:txBody>
-      </p:sp>
-      <p:sp>
-        <p:nvSpPr>
-          <p:cNvPr id="5" name="ZoneTexte 4">
-            <a:extLst>
-              <a:ext uri="{FF2B5EF4-FFF2-40B4-BE49-F238E27FC236}">
-                <a16:creationId xmlns:a16="http://schemas.microsoft.com/office/drawing/2014/main" id="{19499CD8-5861-8B6B-F695-0BD24677932B}"/>
+            <a:pPr algn="ctr"/>
+            <a:endParaRPr lang="en-US" dirty="0">
+              <a:solidFill>
+                <a:schemeClr val="tx1"/>
+              </a:solidFill>
+            </a:endParaRPr>
+          </a:p>
+        </p:txBody>
+      </p:sp>
+      <p:sp>
+        <p:nvSpPr>
+          <p:cNvPr id="4" name="ZoneTexte 3">
+            <a:extLst>
+              <a:ext uri="{FF2B5EF4-FFF2-40B4-BE49-F238E27FC236}">
+                <a16:creationId xmlns:a16="http://schemas.microsoft.com/office/drawing/2014/main" id="{18FD00B4-CC98-C48C-C43B-6082999B25C3}"/>
               </a:ext>
             </a:extLst>
           </p:cNvPr>
@@ -7435,111 +8745,321 @@
         </p:nvSpPr>
         <p:spPr>
           <a:xfrm>
-            <a:off x="892629" y="1687286"/>
-            <a:ext cx="7913914" cy="4247317"/>
+            <a:off x="1295400" y="669925"/>
+            <a:ext cx="4800600" cy="1325563"/>
           </a:xfrm>
           <a:prstGeom prst="rect">
             <a:avLst/>
           </a:prstGeom>
-          <a:noFill/>
-        </p:spPr>
-        <p:txBody>
-          <a:bodyPr wrap="square" rtlCol="0">
-            <a:spAutoFit/>
+        </p:spPr>
+        <p:txBody>
+          <a:bodyPr vert="horz" lIns="91440" tIns="45720" rIns="91440" bIns="45720" rtlCol="0" anchor="b">
+            <a:normAutofit/>
           </a:bodyPr>
           <a:lstStyle/>
           <a:p>
-            <a:r>
-              <a:rPr lang="fr-FR" dirty="0"/>
-              <a:t>Objectif : </a:t>
-            </a:r>
-          </a:p>
-          <a:p>
-            <a:pPr marL="285750" indent="-285750">
+            <a:pPr>
+              <a:lnSpc>
+                <a:spcPct val="90000"/>
+              </a:lnSpc>
+              <a:spcBef>
+                <a:spcPct val="0"/>
+              </a:spcBef>
+              <a:spcAft>
+                <a:spcPts val="600"/>
+              </a:spcAft>
+            </a:pPr>
+            <a:r>
+              <a:rPr lang="en-US" sz="3700">
+                <a:solidFill>
+                  <a:schemeClr val="bg1"/>
+                </a:solidFill>
+                <a:latin typeface="+mj-lt"/>
+                <a:ea typeface="+mj-ea"/>
+                <a:cs typeface="+mj-cs"/>
+              </a:rPr>
+              <a:t>Description de la page de création compte :</a:t>
+            </a:r>
+          </a:p>
+        </p:txBody>
+      </p:sp>
+      <p:cxnSp>
+        <p:nvCxnSpPr>
+          <p:cNvPr id="14" name="Straight Connector 13">
+            <a:extLst>
+              <a:ext uri="{FF2B5EF4-FFF2-40B4-BE49-F238E27FC236}">
+                <a16:creationId xmlns:a16="http://schemas.microsoft.com/office/drawing/2014/main" id="{EE504C98-6397-41C1-A8D8-2D9C4ED307E0}"/>
+              </a:ext>
+              <a:ext uri="{C183D7F6-B498-43B3-948B-1728B52AA6E4}">
+                <adec:decorative xmlns:adec="http://schemas.microsoft.com/office/drawing/2017/decorative" val="1"/>
+              </a:ext>
+            </a:extLst>
+          </p:cNvPr>
+          <p:cNvCxnSpPr>
+            <a:cxnSpLocks noGrp="1" noRot="1" noChangeAspect="1" noMove="1" noResize="1" noEditPoints="1" noAdjustHandles="1" noChangeArrowheads="1" noChangeShapeType="1"/>
+          </p:cNvCxnSpPr>
+          <p:nvPr>
+            <p:extLst>
+              <p:ext uri="{386F3935-93C4-4BCD-93E2-E3B085C9AB24}">
+                <p16:designElem xmlns:p16="http://schemas.microsoft.com/office/powerpoint/2015/main" val="1"/>
+              </p:ext>
+            </p:extLst>
+          </p:nvPr>
+        </p:nvCxnSpPr>
+        <p:spPr>
+          <a:xfrm flipH="1">
+            <a:off x="1" y="2026340"/>
+            <a:ext cx="6095999" cy="0"/>
+          </a:xfrm>
+          <a:prstGeom prst="line">
+            <a:avLst/>
+          </a:prstGeom>
+          <a:ln w="12700">
+            <a:solidFill>
+              <a:schemeClr val="accent2"/>
+            </a:solidFill>
+          </a:ln>
+        </p:spPr>
+        <p:style>
+          <a:lnRef idx="1">
+            <a:schemeClr val="accent1"/>
+          </a:lnRef>
+          <a:fillRef idx="0">
+            <a:schemeClr val="accent1"/>
+          </a:fillRef>
+          <a:effectRef idx="0">
+            <a:schemeClr val="accent1"/>
+          </a:effectRef>
+          <a:fontRef idx="minor">
+            <a:schemeClr val="tx1"/>
+          </a:fontRef>
+        </p:style>
+      </p:cxnSp>
+      <p:sp>
+        <p:nvSpPr>
+          <p:cNvPr id="5" name="ZoneTexte 4">
+            <a:extLst>
+              <a:ext uri="{FF2B5EF4-FFF2-40B4-BE49-F238E27FC236}">
+                <a16:creationId xmlns:a16="http://schemas.microsoft.com/office/drawing/2014/main" id="{19499CD8-5861-8B6B-F695-0BD24677932B}"/>
+              </a:ext>
+            </a:extLst>
+          </p:cNvPr>
+          <p:cNvSpPr txBox="1"/>
+          <p:nvPr/>
+        </p:nvSpPr>
+        <p:spPr>
+          <a:xfrm>
+            <a:off x="1295400" y="2288833"/>
+            <a:ext cx="4800600" cy="3711571"/>
+          </a:xfrm>
+          <a:prstGeom prst="rect">
+            <a:avLst/>
+          </a:prstGeom>
+        </p:spPr>
+        <p:txBody>
+          <a:bodyPr vert="horz" lIns="91440" tIns="45720" rIns="91440" bIns="45720" rtlCol="0">
+            <a:normAutofit/>
+          </a:bodyPr>
+          <a:lstStyle/>
+          <a:p>
+            <a:pPr indent="-228600">
+              <a:lnSpc>
+                <a:spcPct val="90000"/>
+              </a:lnSpc>
+              <a:spcAft>
+                <a:spcPts val="600"/>
+              </a:spcAft>
               <a:buFont typeface="Arial" panose="020B0604020202020204" pitchFamily="34" charset="0"/>
               <a:buChar char="•"/>
             </a:pPr>
             <a:r>
-              <a:rPr lang="fr-FR" dirty="0"/>
-              <a:t>Créer un compte sur notre application (en s’assurant de l’unicité de l’adresse mail) </a:t>
-            </a:r>
-          </a:p>
-          <a:p>
-            <a:pPr marL="285750" indent="-285750">
+              <a:rPr lang="en-US" sz="1400">
+                <a:solidFill>
+                  <a:schemeClr val="bg1"/>
+                </a:solidFill>
+              </a:rPr>
+              <a:t>Objectif : </a:t>
+            </a:r>
+          </a:p>
+          <a:p>
+            <a:pPr marL="285750" indent="-228600">
+              <a:lnSpc>
+                <a:spcPct val="90000"/>
+              </a:lnSpc>
+              <a:spcAft>
+                <a:spcPts val="600"/>
+              </a:spcAft>
               <a:buFont typeface="Arial" panose="020B0604020202020204" pitchFamily="34" charset="0"/>
               <a:buChar char="•"/>
             </a:pPr>
             <a:r>
-              <a:rPr lang="fr-FR" dirty="0"/>
-              <a:t>Envoyer un mail de confirmation </a:t>
-            </a:r>
-          </a:p>
-          <a:p>
-            <a:pPr marL="285750" indent="-285750">
+              <a:rPr lang="en-US" sz="1400">
+                <a:solidFill>
+                  <a:schemeClr val="bg1"/>
+                </a:solidFill>
+              </a:rPr>
+              <a:t>Créer un compte sur notre application (en s’assurant de l’unicité de l’adresse mail) </a:t>
+            </a:r>
+          </a:p>
+          <a:p>
+            <a:pPr marL="285750" indent="-228600">
+              <a:lnSpc>
+                <a:spcPct val="90000"/>
+              </a:lnSpc>
+              <a:spcAft>
+                <a:spcPts val="600"/>
+              </a:spcAft>
               <a:buFont typeface="Arial" panose="020B0604020202020204" pitchFamily="34" charset="0"/>
               <a:buChar char="•"/>
             </a:pPr>
-            <a:endParaRPr lang="fr-FR" dirty="0"/>
-          </a:p>
-          <a:p>
-            <a:pPr marL="285750" indent="-285750">
+            <a:r>
+              <a:rPr lang="en-US" sz="1400">
+                <a:solidFill>
+                  <a:schemeClr val="bg1"/>
+                </a:solidFill>
+              </a:rPr>
+              <a:t>Envoyer un mail de confirmation </a:t>
+            </a:r>
+          </a:p>
+          <a:p>
+            <a:pPr marL="285750" indent="-228600">
+              <a:lnSpc>
+                <a:spcPct val="90000"/>
+              </a:lnSpc>
+              <a:spcAft>
+                <a:spcPts val="600"/>
+              </a:spcAft>
               <a:buFont typeface="Arial" panose="020B0604020202020204" pitchFamily="34" charset="0"/>
               <a:buChar char="•"/>
             </a:pPr>
-            <a:endParaRPr lang="fr-FR" dirty="0"/>
-          </a:p>
-          <a:p>
-            <a:r>
-              <a:rPr lang="fr-FR" dirty="0"/>
-              <a:t>Composition :</a:t>
-            </a:r>
-          </a:p>
-          <a:p>
-            <a:pPr marL="285750" indent="-285750">
+            <a:endParaRPr lang="en-US" sz="1400">
+              <a:solidFill>
+                <a:schemeClr val="bg1"/>
+              </a:solidFill>
+            </a:endParaRPr>
+          </a:p>
+          <a:p>
+            <a:pPr marL="285750" indent="-228600">
+              <a:lnSpc>
+                <a:spcPct val="90000"/>
+              </a:lnSpc>
+              <a:spcAft>
+                <a:spcPts val="600"/>
+              </a:spcAft>
               <a:buFont typeface="Arial" panose="020B0604020202020204" pitchFamily="34" charset="0"/>
               <a:buChar char="•"/>
             </a:pPr>
-            <a:r>
-              <a:rPr lang="fr-FR" dirty="0"/>
-              <a:t>Deux Boutons, l’un permettant d’annuler la demande, et l’autre, de la confirmer</a:t>
-            </a:r>
-          </a:p>
-          <a:p>
-            <a:pPr marL="285750" indent="-285750">
+            <a:endParaRPr lang="en-US" sz="1400">
+              <a:solidFill>
+                <a:schemeClr val="bg1"/>
+              </a:solidFill>
+            </a:endParaRPr>
+          </a:p>
+          <a:p>
+            <a:pPr indent="-228600">
+              <a:lnSpc>
+                <a:spcPct val="90000"/>
+              </a:lnSpc>
+              <a:spcAft>
+                <a:spcPts val="600"/>
+              </a:spcAft>
               <a:buFont typeface="Arial" panose="020B0604020202020204" pitchFamily="34" charset="0"/>
               <a:buChar char="•"/>
             </a:pPr>
             <a:r>
-              <a:rPr lang="fr-FR" dirty="0"/>
-              <a:t>4 champs de saisis pour permettre à l’utilisateur de rentrer ses informations personnelles, le mot de passe est crypté en sha256 pour assurer la sécurité des données</a:t>
-            </a:r>
-          </a:p>
-          <a:p>
-            <a:pPr marL="285750" indent="-285750">
+              <a:rPr lang="en-US" sz="1400">
+                <a:solidFill>
+                  <a:schemeClr val="bg1"/>
+                </a:solidFill>
+              </a:rPr>
+              <a:t>Composition :</a:t>
+            </a:r>
+          </a:p>
+          <a:p>
+            <a:pPr marL="285750" indent="-228600">
+              <a:lnSpc>
+                <a:spcPct val="90000"/>
+              </a:lnSpc>
+              <a:spcAft>
+                <a:spcPts val="600"/>
+              </a:spcAft>
               <a:buFont typeface="Arial" panose="020B0604020202020204" pitchFamily="34" charset="0"/>
               <a:buChar char="•"/>
             </a:pPr>
             <a:r>
-              <a:rPr lang="fr-FR" dirty="0"/>
-              <a:t>Un label non-variable « créer un compte » </a:t>
-            </a:r>
-            <a:r>
-              <a:rPr lang="fr-FR" sz="1800" dirty="0"/>
-              <a:t>pour indiquer le but de la page et ajouter de la clarté </a:t>
-            </a:r>
-            <a:endParaRPr lang="fr-FR" dirty="0"/>
-          </a:p>
-          <a:p>
-            <a:endParaRPr lang="fr-FR" dirty="0"/>
+              <a:rPr lang="en-US" sz="1400">
+                <a:solidFill>
+                  <a:schemeClr val="bg1"/>
+                </a:solidFill>
+              </a:rPr>
+              <a:t>Deux Boutons, l’un permettant d’annuler la demande, et l’autre, de la confirmer</a:t>
+            </a:r>
+          </a:p>
+          <a:p>
+            <a:pPr marL="285750" indent="-228600">
+              <a:lnSpc>
+                <a:spcPct val="90000"/>
+              </a:lnSpc>
+              <a:spcAft>
+                <a:spcPts val="600"/>
+              </a:spcAft>
+              <a:buFont typeface="Arial" panose="020B0604020202020204" pitchFamily="34" charset="0"/>
+              <a:buChar char="•"/>
+            </a:pPr>
+            <a:r>
+              <a:rPr lang="en-US" sz="1400">
+                <a:solidFill>
+                  <a:schemeClr val="bg1"/>
+                </a:solidFill>
+              </a:rPr>
+              <a:t>4 champs de saisis pour permettre à l’utilisateur de rentrer ses informations personnelles, le mot de passe est crypté en sha256 pour assurer la sécurité des données</a:t>
+            </a:r>
+          </a:p>
+          <a:p>
+            <a:pPr marL="285750" indent="-228600">
+              <a:lnSpc>
+                <a:spcPct val="90000"/>
+              </a:lnSpc>
+              <a:spcAft>
+                <a:spcPts val="600"/>
+              </a:spcAft>
+              <a:buFont typeface="Arial" panose="020B0604020202020204" pitchFamily="34" charset="0"/>
+              <a:buChar char="•"/>
+            </a:pPr>
+            <a:r>
+              <a:rPr lang="en-US" sz="1400">
+                <a:solidFill>
+                  <a:schemeClr val="bg1"/>
+                </a:solidFill>
+              </a:rPr>
+              <a:t>Un label non-variable « créer un compte » pour indiquer le but de la page et ajouter de la clarté </a:t>
+            </a:r>
+          </a:p>
+          <a:p>
+            <a:pPr indent="-228600">
+              <a:lnSpc>
+                <a:spcPct val="90000"/>
+              </a:lnSpc>
+              <a:spcAft>
+                <a:spcPts val="600"/>
+              </a:spcAft>
+              <a:buFont typeface="Arial" panose="020B0604020202020204" pitchFamily="34" charset="0"/>
+              <a:buChar char="•"/>
+            </a:pPr>
+            <a:endParaRPr lang="en-US" sz="1400">
+              <a:solidFill>
+                <a:schemeClr val="bg1"/>
+              </a:solidFill>
+            </a:endParaRPr>
           </a:p>
         </p:txBody>
       </p:sp>
       <p:pic>
         <p:nvPicPr>
-          <p:cNvPr id="7" name="Image 6">
-            <a:extLst>
-              <a:ext uri="{FF2B5EF4-FFF2-40B4-BE49-F238E27FC236}">
-                <a16:creationId xmlns:a16="http://schemas.microsoft.com/office/drawing/2014/main" id="{BAF253DF-755C-FA27-8A16-7823052E869E}"/>
+          <p:cNvPr id="3" name="Image 2">
+            <a:extLst>
+              <a:ext uri="{FF2B5EF4-FFF2-40B4-BE49-F238E27FC236}">
+                <a16:creationId xmlns:a16="http://schemas.microsoft.com/office/drawing/2014/main" id="{EBF97C2D-F400-7895-7BA1-2188400630B5}"/>
               </a:ext>
             </a:extLst>
           </p:cNvPr>
@@ -7556,14 +9076,170 @@
         </p:blipFill>
         <p:spPr>
           <a:xfrm>
-            <a:off x="9327421" y="3718611"/>
-            <a:ext cx="1971950" cy="1428949"/>
+            <a:off x="6817361" y="205387"/>
+            <a:ext cx="3302000" cy="3168954"/>
           </a:xfrm>
           <a:prstGeom prst="rect">
             <a:avLst/>
           </a:prstGeom>
         </p:spPr>
       </p:pic>
+      <p:sp>
+        <p:nvSpPr>
+          <p:cNvPr id="16" name="Rectangle 15">
+            <a:extLst>
+              <a:ext uri="{FF2B5EF4-FFF2-40B4-BE49-F238E27FC236}">
+                <a16:creationId xmlns:a16="http://schemas.microsoft.com/office/drawing/2014/main" id="{C87417AF-190E-4D6E-AFA6-7D3E84B0B430}"/>
+              </a:ext>
+              <a:ext uri="{C183D7F6-B498-43B3-948B-1728B52AA6E4}">
+                <adec:decorative xmlns:adec="http://schemas.microsoft.com/office/drawing/2017/decorative" val="1"/>
+              </a:ext>
+            </a:extLst>
+          </p:cNvPr>
+          <p:cNvSpPr>
+            <a:spLocks noGrp="1" noRot="1" noChangeAspect="1" noMove="1" noResize="1" noEditPoints="1" noAdjustHandles="1" noChangeArrowheads="1" noChangeShapeType="1" noTextEdit="1"/>
+          </p:cNvSpPr>
+          <p:nvPr>
+            <p:extLst>
+              <p:ext uri="{386F3935-93C4-4BCD-93E2-E3B085C9AB24}">
+                <p16:designElem xmlns:p16="http://schemas.microsoft.com/office/powerpoint/2015/main" val="1"/>
+              </p:ext>
+            </p:extLst>
+          </p:nvPr>
+        </p:nvSpPr>
+        <p:spPr>
+          <a:xfrm>
+            <a:off x="6431603" y="182859"/>
+            <a:ext cx="3996261" cy="3177496"/>
+          </a:xfrm>
+          <a:prstGeom prst="rect">
+            <a:avLst/>
+          </a:prstGeom>
+          <a:noFill/>
+          <a:ln w="12700">
+            <a:solidFill>
+              <a:schemeClr val="accent2"/>
+            </a:solidFill>
+          </a:ln>
+        </p:spPr>
+        <p:style>
+          <a:lnRef idx="2">
+            <a:schemeClr val="accent1">
+              <a:shade val="50000"/>
+            </a:schemeClr>
+          </a:lnRef>
+          <a:fillRef idx="1">
+            <a:schemeClr val="accent1"/>
+          </a:fillRef>
+          <a:effectRef idx="0">
+            <a:schemeClr val="accent1"/>
+          </a:effectRef>
+          <a:fontRef idx="minor">
+            <a:schemeClr val="lt1"/>
+          </a:fontRef>
+        </p:style>
+        <p:txBody>
+          <a:bodyPr rtlCol="0" anchor="ctr"/>
+          <a:lstStyle/>
+          <a:p>
+            <a:pPr algn="ctr"/>
+            <a:endParaRPr lang="en-US"/>
+          </a:p>
+        </p:txBody>
+      </p:sp>
+      <p:pic>
+        <p:nvPicPr>
+          <p:cNvPr id="7" name="Image 6">
+            <a:extLst>
+              <a:ext uri="{FF2B5EF4-FFF2-40B4-BE49-F238E27FC236}">
+                <a16:creationId xmlns:a16="http://schemas.microsoft.com/office/drawing/2014/main" id="{BAF253DF-755C-FA27-8A16-7823052E869E}"/>
+              </a:ext>
+            </a:extLst>
+          </p:cNvPr>
+          <p:cNvPicPr>
+            <a:picLocks noChangeAspect="1"/>
+          </p:cNvPicPr>
+          <p:nvPr/>
+        </p:nvPicPr>
+        <p:blipFill>
+          <a:blip r:embed="rId3"/>
+          <a:stretch>
+            <a:fillRect/>
+          </a:stretch>
+        </p:blipFill>
+        <p:spPr>
+          <a:xfrm>
+            <a:off x="7825072" y="3681699"/>
+            <a:ext cx="3996260" cy="2895840"/>
+          </a:xfrm>
+          <a:prstGeom prst="rect">
+            <a:avLst/>
+          </a:prstGeom>
+        </p:spPr>
+      </p:pic>
+      <p:sp>
+        <p:nvSpPr>
+          <p:cNvPr id="18" name="Rectangle 17">
+            <a:extLst>
+              <a:ext uri="{FF2B5EF4-FFF2-40B4-BE49-F238E27FC236}">
+                <a16:creationId xmlns:a16="http://schemas.microsoft.com/office/drawing/2014/main" id="{80B30ED8-273E-4C07-8568-2FE5CC5C483D}"/>
+              </a:ext>
+              <a:ext uri="{C183D7F6-B498-43B3-948B-1728B52AA6E4}">
+                <adec:decorative xmlns:adec="http://schemas.microsoft.com/office/drawing/2017/decorative" val="1"/>
+              </a:ext>
+            </a:extLst>
+          </p:cNvPr>
+          <p:cNvSpPr>
+            <a:spLocks noGrp="1" noRot="1" noChangeAspect="1" noMove="1" noResize="1" noEditPoints="1" noAdjustHandles="1" noChangeArrowheads="1" noChangeShapeType="1" noTextEdit="1"/>
+          </p:cNvSpPr>
+          <p:nvPr>
+            <p:extLst>
+              <p:ext uri="{386F3935-93C4-4BCD-93E2-E3B085C9AB24}">
+                <p16:designElem xmlns:p16="http://schemas.microsoft.com/office/powerpoint/2015/main" val="1"/>
+              </p:ext>
+            </p:extLst>
+          </p:nvPr>
+        </p:nvSpPr>
+        <p:spPr>
+          <a:xfrm>
+            <a:off x="7825071" y="3543213"/>
+            <a:ext cx="3996261" cy="3177496"/>
+          </a:xfrm>
+          <a:prstGeom prst="rect">
+            <a:avLst/>
+          </a:prstGeom>
+          <a:noFill/>
+          <a:ln w="12700">
+            <a:solidFill>
+              <a:schemeClr val="accent2"/>
+            </a:solidFill>
+          </a:ln>
+        </p:spPr>
+        <p:style>
+          <a:lnRef idx="2">
+            <a:schemeClr val="accent1">
+              <a:shade val="50000"/>
+            </a:schemeClr>
+          </a:lnRef>
+          <a:fillRef idx="1">
+            <a:schemeClr val="accent1"/>
+          </a:fillRef>
+          <a:effectRef idx="0">
+            <a:schemeClr val="accent1"/>
+          </a:effectRef>
+          <a:fontRef idx="minor">
+            <a:schemeClr val="lt1"/>
+          </a:fontRef>
+        </p:style>
+        <p:txBody>
+          <a:bodyPr rtlCol="0" anchor="ctr"/>
+          <a:lstStyle/>
+          <a:p>
+            <a:pPr algn="ctr"/>
+            <a:endParaRPr lang="en-US"/>
+          </a:p>
+        </p:txBody>
+      </p:sp>
     </p:spTree>
     <p:extLst>
       <p:ext uri="{BB962C8B-B14F-4D97-AF65-F5344CB8AC3E}">

--- a/presentation MAFR.pptx
+++ b/presentation MAFR.pptx
@@ -3855,6 +3855,28 @@
           <a:p>
             <a:pPr algn="l"/>
             <a:r>
+              <a:rPr lang="fr-FR" sz="8100" dirty="0">
+                <a:ln w="22225">
+                  <a:solidFill>
+                    <a:schemeClr val="tx1"/>
+                  </a:solidFill>
+                  <a:miter lim="800000"/>
+                </a:ln>
+                <a:noFill/>
+              </a:rPr>
+              <a:t>Projet : MAFR</a:t>
+            </a:r>
+            <a:br>
+              <a:rPr lang="fr-FR" sz="8100" dirty="0">
+                <a:ln w="22225">
+                  <a:solidFill>
+                    <a:schemeClr val="tx1"/>
+                  </a:solidFill>
+                  <a:miter lim="800000"/>
+                </a:ln>
+              </a:rPr>
+            </a:br>
+            <a:r>
               <a:rPr lang="fr-FR" sz="8100">
                 <a:ln w="22225">
                   <a:solidFill>
@@ -3864,31 +3886,9 @@
                 </a:ln>
                 <a:noFill/>
               </a:rPr>
-              <a:t>Projet : MAFR</a:t>
-            </a:r>
-            <a:br>
-              <a:rPr lang="fr-FR" sz="8100">
-                <a:ln w="22225">
-                  <a:solidFill>
-                    <a:schemeClr val="tx1"/>
-                  </a:solidFill>
-                  <a:miter lim="800000"/>
-                </a:ln>
-              </a:rPr>
-            </a:br>
-            <a:r>
-              <a:rPr lang="fr-FR" sz="8100">
-                <a:ln w="22225">
-                  <a:solidFill>
-                    <a:schemeClr val="tx1"/>
-                  </a:solidFill>
-                  <a:miter lim="800000"/>
-                </a:ln>
-                <a:noFill/>
-              </a:rPr>
               <a:t>MerinAxelFlightRadar</a:t>
             </a:r>
-            <a:endParaRPr lang="fr-FR" sz="8100">
+            <a:endParaRPr lang="fr-FR" sz="8100" dirty="0">
               <a:ln w="22225">
                 <a:solidFill>
                   <a:prstClr val="white"/>
